--- a/IntroCyberSecurity/Module 2 Cryptography/Lesson_1_Cryptography Overview.pptx
+++ b/IntroCyberSecurity/Module 2 Cryptography/Lesson_1_Cryptography Overview.pptx
@@ -275,7 +275,7 @@
           <a:p>
             <a:fld id="{6D34B2BF-B542-344A-87F7-578F86272ED1}" type="datetimeFigureOut">
               <a:rPr lang="en-US" smtClean="0"/>
-              <a:t>3/31/18</a:t>
+              <a:t>4/3/18</a:t>
             </a:fld>
             <a:endParaRPr lang="en-US"/>
           </a:p>
@@ -468,7 +468,7 @@
               <a:pPr>
                 <a:defRPr/>
               </a:pPr>
-              <a:t>3/30/18</a:t>
+              <a:t>4/3/18</a:t>
             </a:fld>
             <a:endParaRPr lang="en-US"/>
           </a:p>
@@ -2987,7 +2987,7 @@
           <p:cNvPr id="3" name="Slide Number Placeholder 2">
             <a:extLst>
               <a:ext uri="{FF2B5EF4-FFF2-40B4-BE49-F238E27FC236}">
-                <a16:creationId xmlns="" xmlns:a16="http://schemas.microsoft.com/office/drawing/2014/main" id="{7D2FFADE-E1BC-48C1-83AA-6DDDD39A33C4}"/>
+                <a16:creationId xmlns:a16="http://schemas.microsoft.com/office/drawing/2014/main" xmlns="" id="{7D2FFADE-E1BC-48C1-83AA-6DDDD39A33C4}"/>
               </a:ext>
             </a:extLst>
           </p:cNvPr>
@@ -3022,7 +3022,7 @@
           <p:cNvPr id="9" name="Picture 8">
             <a:extLst>
               <a:ext uri="{FF2B5EF4-FFF2-40B4-BE49-F238E27FC236}">
-                <a16:creationId xmlns="" xmlns:a16="http://schemas.microsoft.com/office/drawing/2014/main" id="{9CBFC76A-A606-42CF-BCDF-C73975C150B9}"/>
+                <a16:creationId xmlns:a16="http://schemas.microsoft.com/office/drawing/2014/main" xmlns="" id="{9CBFC76A-A606-42CF-BCDF-C73975C150B9}"/>
               </a:ext>
             </a:extLst>
           </p:cNvPr>
@@ -3052,7 +3052,7 @@
           <p:cNvPr id="2" name="Title 1">
             <a:extLst>
               <a:ext uri="{FF2B5EF4-FFF2-40B4-BE49-F238E27FC236}">
-                <a16:creationId xmlns="" xmlns:a16="http://schemas.microsoft.com/office/drawing/2014/main" id="{5C287DE2-E1A2-4F41-96FE-94AF4425CB03}"/>
+                <a16:creationId xmlns:a16="http://schemas.microsoft.com/office/drawing/2014/main" xmlns="" id="{5C287DE2-E1A2-4F41-96FE-94AF4425CB03}"/>
               </a:ext>
             </a:extLst>
           </p:cNvPr>
@@ -4117,7 +4117,7 @@
           <p:cNvPr id="2" name="Title 1">
             <a:extLst>
               <a:ext uri="{FF2B5EF4-FFF2-40B4-BE49-F238E27FC236}">
-                <a16:creationId xmlns="" xmlns:a16="http://schemas.microsoft.com/office/drawing/2014/main" id="{6EB309E1-B997-4458-AE28-FCADE36405DE}"/>
+                <a16:creationId xmlns:a16="http://schemas.microsoft.com/office/drawing/2014/main" xmlns="" id="{6EB309E1-B997-4458-AE28-FCADE36405DE}"/>
               </a:ext>
             </a:extLst>
           </p:cNvPr>
@@ -4160,7 +4160,7 @@
           <p:cNvPr id="3" name="Subtitle 2">
             <a:extLst>
               <a:ext uri="{FF2B5EF4-FFF2-40B4-BE49-F238E27FC236}">
-                <a16:creationId xmlns="" xmlns:a16="http://schemas.microsoft.com/office/drawing/2014/main" id="{6E3BDCF0-5416-4AF1-BF2C-3F3EE2810088}"/>
+                <a16:creationId xmlns:a16="http://schemas.microsoft.com/office/drawing/2014/main" xmlns="" id="{6E3BDCF0-5416-4AF1-BF2C-3F3EE2810088}"/>
               </a:ext>
             </a:extLst>
           </p:cNvPr>
@@ -4233,7 +4233,7 @@
           <p:cNvPr id="2" name="Title 1">
             <a:extLst>
               <a:ext uri="{FF2B5EF4-FFF2-40B4-BE49-F238E27FC236}">
-                <a16:creationId xmlns:a16="http://schemas.microsoft.com/office/drawing/2014/main" xmlns="" id="{9A11BC21-26CD-4961-B7A3-40E63E654BD6}"/>
+                <a16:creationId xmlns="" xmlns:a16="http://schemas.microsoft.com/office/drawing/2014/main" id="{9A11BC21-26CD-4961-B7A3-40E63E654BD6}"/>
               </a:ext>
             </a:extLst>
           </p:cNvPr>
@@ -4257,14 +4257,14 @@
           </a:p>
         </p:txBody>
       </p:sp>
-      <mc:AlternateContent xmlns:mc="http://schemas.openxmlformats.org/markup-compatibility/2006">
-        <mc:Choice xmlns:a14="http://schemas.microsoft.com/office/drawing/2010/main" Requires="a14">
+      <mc:AlternateContent xmlns:mc="http://schemas.openxmlformats.org/markup-compatibility/2006" xmlns:a14="http://schemas.microsoft.com/office/drawing/2010/main">
+        <mc:Choice Requires="a14">
           <p:sp>
             <p:nvSpPr>
               <p:cNvPr id="3" name="Content Placeholder 2">
                 <a:extLst>
                   <a:ext uri="{FF2B5EF4-FFF2-40B4-BE49-F238E27FC236}">
-                    <a16:creationId xmlns:a16="http://schemas.microsoft.com/office/drawing/2014/main" xmlns="" id="{C8C16B92-8E9D-44A2-95A0-0A2F0C21743B}"/>
+                    <a16:creationId xmlns="" xmlns:a16="http://schemas.microsoft.com/office/drawing/2014/main" id="{C8C16B92-8E9D-44A2-95A0-0A2F0C21743B}"/>
                   </a:ext>
                 </a:extLst>
               </p:cNvPr>
@@ -4488,7 +4488,7 @@
             </p:txBody>
           </p:sp>
         </mc:Choice>
-        <mc:Fallback>
+        <mc:Fallback xmlns="">
           <p:sp>
             <p:nvSpPr>
               <p:cNvPr id="3" name="Content Placeholder 2">
@@ -4563,7 +4563,7 @@
           <p:cNvPr id="2" name="Title 1">
             <a:extLst>
               <a:ext uri="{FF2B5EF4-FFF2-40B4-BE49-F238E27FC236}">
-                <a16:creationId xmlns:a16="http://schemas.microsoft.com/office/drawing/2014/main" xmlns="" id="{AEED53C0-0E21-4179-9350-5EF37AF3388C}"/>
+                <a16:creationId xmlns="" xmlns:a16="http://schemas.microsoft.com/office/drawing/2014/main" id="{AEED53C0-0E21-4179-9350-5EF37AF3388C}"/>
               </a:ext>
             </a:extLst>
           </p:cNvPr>
@@ -4592,7 +4592,7 @@
           <p:cNvPr id="3" name="Content Placeholder 2">
             <a:extLst>
               <a:ext uri="{FF2B5EF4-FFF2-40B4-BE49-F238E27FC236}">
-                <a16:creationId xmlns:a16="http://schemas.microsoft.com/office/drawing/2014/main" xmlns="" id="{EC8A9DF1-52E0-492F-8080-774F855DFC40}"/>
+                <a16:creationId xmlns="" xmlns:a16="http://schemas.microsoft.com/office/drawing/2014/main" id="{EC8A9DF1-52E0-492F-8080-774F855DFC40}"/>
               </a:ext>
             </a:extLst>
           </p:cNvPr>
@@ -4610,11 +4610,7 @@
           <a:p>
             <a:r>
               <a:rPr lang="en-US" dirty="0" smtClean="0"/>
-              <a:t>Block cipher - </a:t>
-            </a:r>
-            <a:r>
-              <a:rPr lang="en-US" dirty="0" smtClean="0"/>
-              <a:t>A symmetric key cryptographic algorithm that transforms a block of information at a time using a cryptographic key. </a:t>
+              <a:t>Block cipher - A symmetric key cryptographic algorithm that transforms a block of information at a time using a cryptographic key. </a:t>
             </a:r>
           </a:p>
           <a:p>
@@ -4627,29 +4623,8 @@
             <a:pPr eaLnBrk="1" hangingPunct="1"/>
             <a:r>
               <a:rPr lang="en-US" dirty="0"/>
-              <a:t>O</a:t>
-            </a:r>
-            <a:r>
-              <a:rPr lang="en-US" dirty="0"/>
-              <a:t>ne </a:t>
-            </a:r>
-            <a:r>
-              <a:rPr lang="en-US" dirty="0"/>
-              <a:t>block of elements </a:t>
-            </a:r>
-            <a:r>
-              <a:rPr lang="en-US" dirty="0"/>
-              <a:t>will be processed at </a:t>
-            </a:r>
-            <a:r>
-              <a:rPr lang="en-US" dirty="0"/>
-              <a:t>a time, </a:t>
-            </a:r>
-            <a:r>
-              <a:rPr lang="en-US" dirty="0"/>
-              <a:t>an output block will be generated for each input block.</a:t>
-            </a:r>
-            <a:endParaRPr lang="en-US" dirty="0"/>
+              <a:t>One block of elements will be processed at a time, an output block will be generated for each input block.</a:t>
+            </a:r>
           </a:p>
           <a:p>
             <a:endParaRPr lang="en-US" dirty="0"/>
@@ -4691,7 +4666,7 @@
           <p:cNvPr id="2" name="Title 1">
             <a:extLst>
               <a:ext uri="{FF2B5EF4-FFF2-40B4-BE49-F238E27FC236}">
-                <a16:creationId xmlns:a16="http://schemas.microsoft.com/office/drawing/2014/main" xmlns="" id="{0F1A4321-0F21-49B7-B25B-1BDFE1767D5E}"/>
+                <a16:creationId xmlns="" xmlns:a16="http://schemas.microsoft.com/office/drawing/2014/main" id="{0F1A4321-0F21-49B7-B25B-1BDFE1767D5E}"/>
               </a:ext>
             </a:extLst>
           </p:cNvPr>
@@ -4720,7 +4695,7 @@
           <p:cNvPr id="3" name="Content Placeholder 2">
             <a:extLst>
               <a:ext uri="{FF2B5EF4-FFF2-40B4-BE49-F238E27FC236}">
-                <a16:creationId xmlns:a16="http://schemas.microsoft.com/office/drawing/2014/main" xmlns="" id="{2B48DD85-A4C2-42CB-95A5-EDF04B203BC7}"/>
+                <a16:creationId xmlns="" xmlns:a16="http://schemas.microsoft.com/office/drawing/2014/main" id="{2B48DD85-A4C2-42CB-95A5-EDF04B203BC7}"/>
               </a:ext>
             </a:extLst>
           </p:cNvPr>
@@ -4738,30 +4713,14 @@
           <a:p>
             <a:r>
               <a:rPr lang="en-US" dirty="0" smtClean="0"/>
-              <a:t>Stream cipher</a:t>
-            </a:r>
-            <a:r>
-              <a:rPr lang="en-US" dirty="0" smtClean="0"/>
-              <a:t>, each bit or each byte of the data stream is encrypted separately. </a:t>
+              <a:t>Stream cipher, each bit or each byte of the data stream is encrypted separately. </a:t>
             </a:r>
           </a:p>
           <a:p>
             <a:pPr eaLnBrk="1" hangingPunct="1"/>
             <a:r>
               <a:rPr lang="en-US" dirty="0"/>
-              <a:t>It processes </a:t>
-            </a:r>
-            <a:r>
-              <a:rPr lang="en-US" dirty="0"/>
-              <a:t>the input </a:t>
-            </a:r>
-            <a:r>
-              <a:rPr lang="en-US" dirty="0"/>
-              <a:t>elements continuously</a:t>
-            </a:r>
-            <a:r>
-              <a:rPr lang="en-US" dirty="0"/>
-              <a:t>, producing output one element at a </a:t>
+              <a:t>It processes the input elements continuously, producing output one element at a </a:t>
             </a:r>
             <a:r>
               <a:rPr lang="en-US" dirty="0" smtClean="0"/>
@@ -5025,11 +4984,7 @@
                     <a:p>
                       <a:r>
                         <a:rPr lang="en-US" sz="2400" dirty="0" smtClean="0"/>
-                        <a:t>Stream </a:t>
-                      </a:r>
-                      <a:r>
-                        <a:rPr lang="en-US" sz="2400" dirty="0" smtClean="0"/>
-                        <a:t>cipher</a:t>
+                        <a:t>Stream cipher</a:t>
                       </a:r>
                       <a:endParaRPr lang="en-US" sz="2400" dirty="0"/>
                     </a:p>
@@ -5140,7 +5095,7 @@
           <p:cNvPr id="2" name="Title 1">
             <a:extLst>
               <a:ext uri="{FF2B5EF4-FFF2-40B4-BE49-F238E27FC236}">
-                <a16:creationId xmlns:a16="http://schemas.microsoft.com/office/drawing/2014/main" xmlns="" id="{84002F04-5D80-4207-92E1-2D3E2C92213C}"/>
+                <a16:creationId xmlns="" xmlns:a16="http://schemas.microsoft.com/office/drawing/2014/main" id="{84002F04-5D80-4207-92E1-2D3E2C92213C}"/>
               </a:ext>
             </a:extLst>
           </p:cNvPr>
@@ -5169,7 +5124,7 @@
           <p:cNvPr id="3" name="Content Placeholder 2">
             <a:extLst>
               <a:ext uri="{FF2B5EF4-FFF2-40B4-BE49-F238E27FC236}">
-                <a16:creationId xmlns:a16="http://schemas.microsoft.com/office/drawing/2014/main" xmlns="" id="{7A7DE6E2-CC17-4EF9-BFD6-469F0741DC20}"/>
+                <a16:creationId xmlns="" xmlns:a16="http://schemas.microsoft.com/office/drawing/2014/main" id="{7A7DE6E2-CC17-4EF9-BFD6-469F0741DC20}"/>
               </a:ext>
             </a:extLst>
           </p:cNvPr>
@@ -5301,7 +5256,7 @@
           <p:cNvPr id="2" name="Title 1">
             <a:extLst>
               <a:ext uri="{FF2B5EF4-FFF2-40B4-BE49-F238E27FC236}">
-                <a16:creationId xmlns:a16="http://schemas.microsoft.com/office/drawing/2014/main" xmlns="" id="{3F0EB705-4F3F-4E82-B5A6-3FAC5A6B8C4F}"/>
+                <a16:creationId xmlns="" xmlns:a16="http://schemas.microsoft.com/office/drawing/2014/main" id="{3F0EB705-4F3F-4E82-B5A6-3FAC5A6B8C4F}"/>
               </a:ext>
             </a:extLst>
           </p:cNvPr>
@@ -5319,7 +5274,11 @@
           <a:p>
             <a:r>
               <a:rPr lang="en-US" dirty="0" smtClean="0"/>
-              <a:t>Transposition Cipher cont.</a:t>
+              <a:t>Transposition Cipher </a:t>
+            </a:r>
+            <a:r>
+              <a:rPr lang="en-US" dirty="0" smtClean="0"/>
+              <a:t>(cont.)</a:t>
             </a:r>
             <a:endParaRPr lang="en-US" dirty="0"/>
           </a:p>
@@ -5330,7 +5289,7 @@
           <p:cNvPr id="3" name="Content Placeholder 2">
             <a:extLst>
               <a:ext uri="{FF2B5EF4-FFF2-40B4-BE49-F238E27FC236}">
-                <a16:creationId xmlns:a16="http://schemas.microsoft.com/office/drawing/2014/main" xmlns="" id="{BE6719A3-FEB7-4FD8-ACEE-23C38C7BB711}"/>
+                <a16:creationId xmlns="" xmlns:a16="http://schemas.microsoft.com/office/drawing/2014/main" id="{BE6719A3-FEB7-4FD8-ACEE-23C38C7BB711}"/>
               </a:ext>
             </a:extLst>
           </p:cNvPr>
@@ -5354,21 +5313,8 @@
           <a:p>
             <a:r>
               <a:rPr lang="en-US" dirty="0" smtClean="0"/>
-              <a:t>Plaintext: troops heading </a:t>
-            </a:r>
-            <a:r>
-              <a:rPr lang="en-US" dirty="0" smtClean="0"/>
-              <a:t>east</a:t>
-            </a:r>
-            <a:r>
-              <a:rPr lang="en-US" dirty="0" smtClean="0"/>
-              <a:t> need more supplies. send more people to </a:t>
-            </a:r>
-            <a:r>
-              <a:rPr lang="en-US" dirty="0" smtClean="0"/>
-              <a:t>help</a:t>
-            </a:r>
-            <a:endParaRPr lang="en-US" dirty="0" smtClean="0"/>
+              <a:t>Plaintext: troops heading east need more supplies. send more people to help</a:t>
+            </a:r>
           </a:p>
           <a:p>
             <a:endParaRPr lang="en-US" dirty="0" smtClean="0"/>
@@ -5404,11 +5350,7 @@
             </a:r>
             <a:r>
               <a:rPr lang="en-US" dirty="0" err="1" smtClean="0"/>
-              <a:t>e</a:t>
-            </a:r>
-            <a:r>
-              <a:rPr lang="en-US" dirty="0" err="1" smtClean="0"/>
-              <a:t>rnme</a:t>
+              <a:t>ernme</a:t>
             </a:r>
             <a:r>
               <a:rPr lang="en-US" dirty="0" smtClean="0"/>
@@ -5491,7 +5433,7 @@
           <p:cNvPr id="6" name="Table 5" title="Plaintext table">
             <a:extLst>
               <a:ext uri="{FF2B5EF4-FFF2-40B4-BE49-F238E27FC236}">
-                <a16:creationId xmlns:a16="http://schemas.microsoft.com/office/drawing/2014/main" xmlns="" id="{E59772D2-706D-4640-AB85-3C4BBA4EB534}"/>
+                <a16:creationId xmlns="" xmlns:a16="http://schemas.microsoft.com/office/drawing/2014/main" id="{E59772D2-706D-4640-AB85-3C4BBA4EB534}"/>
               </a:ext>
             </a:extLst>
           </p:cNvPr>
@@ -5520,70 +5462,70 @@
                 <a:gridCol w="365345">
                   <a:extLst>
                     <a:ext uri="{9D8B030D-6E8A-4147-A177-3AD203B41FA5}">
-                      <a16:colId xmlns:a16="http://schemas.microsoft.com/office/drawing/2014/main" xmlns="" val="3637892095"/>
+                      <a16:colId xmlns="" xmlns:a16="http://schemas.microsoft.com/office/drawing/2014/main" val="3637892095"/>
                     </a:ext>
                   </a:extLst>
                 </a:gridCol>
                 <a:gridCol w="365345">
                   <a:extLst>
                     <a:ext uri="{9D8B030D-6E8A-4147-A177-3AD203B41FA5}">
-                      <a16:colId xmlns:a16="http://schemas.microsoft.com/office/drawing/2014/main" xmlns="" val="3490136778"/>
+                      <a16:colId xmlns="" xmlns:a16="http://schemas.microsoft.com/office/drawing/2014/main" val="3490136778"/>
                     </a:ext>
                   </a:extLst>
                 </a:gridCol>
                 <a:gridCol w="365345">
                   <a:extLst>
                     <a:ext uri="{9D8B030D-6E8A-4147-A177-3AD203B41FA5}">
-                      <a16:colId xmlns:a16="http://schemas.microsoft.com/office/drawing/2014/main" xmlns="" val="2049845943"/>
+                      <a16:colId xmlns="" xmlns:a16="http://schemas.microsoft.com/office/drawing/2014/main" val="2049845943"/>
                     </a:ext>
                   </a:extLst>
                 </a:gridCol>
                 <a:gridCol w="365345">
                   <a:extLst>
                     <a:ext uri="{9D8B030D-6E8A-4147-A177-3AD203B41FA5}">
-                      <a16:colId xmlns:a16="http://schemas.microsoft.com/office/drawing/2014/main" xmlns="" val="1636246869"/>
+                      <a16:colId xmlns="" xmlns:a16="http://schemas.microsoft.com/office/drawing/2014/main" val="1636246869"/>
                     </a:ext>
                   </a:extLst>
                 </a:gridCol>
                 <a:gridCol w="365345">
                   <a:extLst>
                     <a:ext uri="{9D8B030D-6E8A-4147-A177-3AD203B41FA5}">
-                      <a16:colId xmlns:a16="http://schemas.microsoft.com/office/drawing/2014/main" xmlns="" val="3963510027"/>
+                      <a16:colId xmlns="" xmlns:a16="http://schemas.microsoft.com/office/drawing/2014/main" val="3963510027"/>
                     </a:ext>
                   </a:extLst>
                 </a:gridCol>
                 <a:gridCol w="365345">
                   <a:extLst>
                     <a:ext uri="{9D8B030D-6E8A-4147-A177-3AD203B41FA5}">
-                      <a16:colId xmlns:a16="http://schemas.microsoft.com/office/drawing/2014/main" xmlns="" val="1063405023"/>
+                      <a16:colId xmlns="" xmlns:a16="http://schemas.microsoft.com/office/drawing/2014/main" val="1063405023"/>
                     </a:ext>
                   </a:extLst>
                 </a:gridCol>
                 <a:gridCol w="365345">
                   <a:extLst>
                     <a:ext uri="{9D8B030D-6E8A-4147-A177-3AD203B41FA5}">
-                      <a16:colId xmlns:a16="http://schemas.microsoft.com/office/drawing/2014/main" xmlns="" val="282131237"/>
+                      <a16:colId xmlns="" xmlns:a16="http://schemas.microsoft.com/office/drawing/2014/main" val="282131237"/>
                     </a:ext>
                   </a:extLst>
                 </a:gridCol>
                 <a:gridCol w="365345">
                   <a:extLst>
                     <a:ext uri="{9D8B030D-6E8A-4147-A177-3AD203B41FA5}">
-                      <a16:colId xmlns:a16="http://schemas.microsoft.com/office/drawing/2014/main" xmlns="" val="2448844444"/>
+                      <a16:colId xmlns="" xmlns:a16="http://schemas.microsoft.com/office/drawing/2014/main" val="2448844444"/>
                     </a:ext>
                   </a:extLst>
                 </a:gridCol>
                 <a:gridCol w="365345">
                   <a:extLst>
                     <a:ext uri="{9D8B030D-6E8A-4147-A177-3AD203B41FA5}">
-                      <a16:colId xmlns:a16="http://schemas.microsoft.com/office/drawing/2014/main" xmlns="" val="1604923736"/>
+                      <a16:colId xmlns="" xmlns:a16="http://schemas.microsoft.com/office/drawing/2014/main" val="1604923736"/>
                     </a:ext>
                   </a:extLst>
                 </a:gridCol>
                 <a:gridCol w="365345">
                   <a:extLst>
                     <a:ext uri="{9D8B030D-6E8A-4147-A177-3AD203B41FA5}">
-                      <a16:colId xmlns:a16="http://schemas.microsoft.com/office/drawing/2014/main" xmlns="" val="3140763612"/>
+                      <a16:colId xmlns="" xmlns:a16="http://schemas.microsoft.com/office/drawing/2014/main" val="3140763612"/>
                     </a:ext>
                   </a:extLst>
                 </a:gridCol>
@@ -5751,7 +5693,7 @@
                 </a:tc>
                 <a:extLst>
                   <a:ext uri="{0D108BD9-81ED-4DB2-BD59-A6C34878D82A}">
-                    <a16:rowId xmlns:a16="http://schemas.microsoft.com/office/drawing/2014/main" xmlns="" val="2995235944"/>
+                    <a16:rowId xmlns="" xmlns:a16="http://schemas.microsoft.com/office/drawing/2014/main" val="2995235944"/>
                   </a:ext>
                 </a:extLst>
               </a:tr>
@@ -5819,9 +5761,6 @@
                         </a:rPr>
                         <a:t>e</a:t>
                       </a:r>
-                      <a:endParaRPr lang="en-US" sz="2000" b="1" dirty="0">
-                        <a:latin typeface="+mj-lt"/>
-                      </a:endParaRPr>
                     </a:p>
                   </a:txBody>
                   <a:tcPr marL="68580" marR="68580" marT="34290" marB="34290"/>
@@ -5838,9 +5777,6 @@
                         </a:rPr>
                         <a:t>a</a:t>
                       </a:r>
-                      <a:endParaRPr lang="en-US" sz="2000" b="1" dirty="0">
-                        <a:latin typeface="+mj-lt"/>
-                      </a:endParaRPr>
                     </a:p>
                   </a:txBody>
                   <a:tcPr marL="68580" marR="68580" marT="34290" marB="34290"/>
@@ -5927,7 +5863,7 @@
                 </a:tc>
                 <a:extLst>
                   <a:ext uri="{0D108BD9-81ED-4DB2-BD59-A6C34878D82A}">
-                    <a16:rowId xmlns:a16="http://schemas.microsoft.com/office/drawing/2014/main" xmlns="" val="2146286947"/>
+                    <a16:rowId xmlns="" xmlns:a16="http://schemas.microsoft.com/office/drawing/2014/main" val="2146286947"/>
                   </a:ext>
                 </a:extLst>
               </a:tr>
@@ -6094,7 +6030,7 @@
                 </a:tc>
                 <a:extLst>
                   <a:ext uri="{0D108BD9-81ED-4DB2-BD59-A6C34878D82A}">
-                    <a16:rowId xmlns:a16="http://schemas.microsoft.com/office/drawing/2014/main" xmlns="" val="1037191930"/>
+                    <a16:rowId xmlns="" xmlns:a16="http://schemas.microsoft.com/office/drawing/2014/main" val="1037191930"/>
                   </a:ext>
                 </a:extLst>
               </a:tr>
@@ -6264,7 +6200,7 @@
                 </a:tc>
                 <a:extLst>
                   <a:ext uri="{0D108BD9-81ED-4DB2-BD59-A6C34878D82A}">
-                    <a16:rowId xmlns:a16="http://schemas.microsoft.com/office/drawing/2014/main" xmlns="" val="3624942504"/>
+                    <a16:rowId xmlns="" xmlns:a16="http://schemas.microsoft.com/office/drawing/2014/main" val="3624942504"/>
                   </a:ext>
                 </a:extLst>
               </a:tr>
@@ -6425,16 +6361,13 @@
                         </a:rPr>
                         <a:t>h</a:t>
                       </a:r>
-                      <a:endParaRPr lang="en-US" sz="2000" b="1" dirty="0">
-                        <a:latin typeface="+mj-lt"/>
-                      </a:endParaRPr>
                     </a:p>
                   </a:txBody>
                   <a:tcPr marL="68580" marR="68580" marT="34290" marB="34290"/>
                 </a:tc>
                 <a:extLst>
                   <a:ext uri="{0D108BD9-81ED-4DB2-BD59-A6C34878D82A}">
-                    <a16:rowId xmlns:a16="http://schemas.microsoft.com/office/drawing/2014/main" xmlns="" val="2656263583"/>
+                    <a16:rowId xmlns="" xmlns:a16="http://schemas.microsoft.com/office/drawing/2014/main" val="2656263583"/>
                   </a:ext>
                 </a:extLst>
               </a:tr>
@@ -6470,9 +6403,6 @@
                         </a:rPr>
                         <a:t>l</a:t>
                       </a:r>
-                      <a:endParaRPr lang="en-US" sz="2000" b="1" dirty="0">
-                        <a:latin typeface="+mj-lt"/>
-                      </a:endParaRPr>
                     </a:p>
                   </a:txBody>
                   <a:tcPr marL="68580" marR="68580" marT="34290" marB="34290"/>
@@ -6589,7 +6519,7 @@
                 </a:tc>
                 <a:extLst>
                   <a:ext uri="{0D108BD9-81ED-4DB2-BD59-A6C34878D82A}">
-                    <a16:rowId xmlns:a16="http://schemas.microsoft.com/office/drawing/2014/main" xmlns="" val="1275603011"/>
+                    <a16:rowId xmlns="" xmlns:a16="http://schemas.microsoft.com/office/drawing/2014/main" val="1275603011"/>
                   </a:ext>
                 </a:extLst>
               </a:tr>
@@ -6777,7 +6707,7 @@
           <p:cNvPr id="2" name="Title 1">
             <a:extLst>
               <a:ext uri="{FF2B5EF4-FFF2-40B4-BE49-F238E27FC236}">
-                <a16:creationId xmlns:a16="http://schemas.microsoft.com/office/drawing/2014/main" xmlns="" id="{4BD42DF3-CD18-4DE5-929C-FD96EBBA995D}"/>
+                <a16:creationId xmlns="" xmlns:a16="http://schemas.microsoft.com/office/drawing/2014/main" id="{4BD42DF3-CD18-4DE5-929C-FD96EBBA995D}"/>
               </a:ext>
             </a:extLst>
           </p:cNvPr>
@@ -6806,7 +6736,7 @@
           <p:cNvPr id="3" name="Content Placeholder 2">
             <a:extLst>
               <a:ext uri="{FF2B5EF4-FFF2-40B4-BE49-F238E27FC236}">
-                <a16:creationId xmlns:a16="http://schemas.microsoft.com/office/drawing/2014/main" xmlns="" id="{B1461FBD-989E-49D5-B457-C99C771AB133}"/>
+                <a16:creationId xmlns="" xmlns:a16="http://schemas.microsoft.com/office/drawing/2014/main" id="{B1461FBD-989E-49D5-B457-C99C771AB133}"/>
               </a:ext>
             </a:extLst>
           </p:cNvPr>
@@ -6918,7 +6848,7 @@
           <p:cNvPr id="2" name="Title 1">
             <a:extLst>
               <a:ext uri="{FF2B5EF4-FFF2-40B4-BE49-F238E27FC236}">
-                <a16:creationId xmlns:a16="http://schemas.microsoft.com/office/drawing/2014/main" xmlns="" id="{A1E3F212-82CD-4B56-AC78-1238D362DD8E}"/>
+                <a16:creationId xmlns="" xmlns:a16="http://schemas.microsoft.com/office/drawing/2014/main" id="{A1E3F212-82CD-4B56-AC78-1238D362DD8E}"/>
               </a:ext>
             </a:extLst>
           </p:cNvPr>
@@ -6942,14 +6872,14 @@
           </a:p>
         </p:txBody>
       </p:sp>
-      <mc:AlternateContent xmlns:mc="http://schemas.openxmlformats.org/markup-compatibility/2006">
-        <mc:Choice xmlns:a14="http://schemas.microsoft.com/office/drawing/2010/main" Requires="a14">
+      <mc:AlternateContent xmlns:mc="http://schemas.openxmlformats.org/markup-compatibility/2006" xmlns:a14="http://schemas.microsoft.com/office/drawing/2010/main">
+        <mc:Choice Requires="a14">
           <p:sp>
             <p:nvSpPr>
               <p:cNvPr id="3" name="Content Placeholder 2">
                 <a:extLst>
                   <a:ext uri="{FF2B5EF4-FFF2-40B4-BE49-F238E27FC236}">
-                    <a16:creationId xmlns:a16="http://schemas.microsoft.com/office/drawing/2014/main" xmlns="" id="{FCB6AC1B-4F46-4C49-8421-AA5588009ADE}"/>
+                    <a16:creationId xmlns="" xmlns:a16="http://schemas.microsoft.com/office/drawing/2014/main" id="{FCB6AC1B-4F46-4C49-8421-AA5588009ADE}"/>
                   </a:ext>
                 </a:extLst>
               </p:cNvPr>
@@ -6995,61 +6925,85 @@
                 <a14:m>
                   <m:oMath xmlns:m="http://schemas.openxmlformats.org/officeDocument/2006/math">
                     <m:r>
-                      <a:rPr lang="en-US" smtClean="0"/>
+                      <a:rPr lang="en-US" smtClean="0">
+                        <a:latin typeface="Cambria Math" charset="0"/>
+                      </a:rPr>
                       <m:t>𝐶𝑖</m:t>
                     </m:r>
                     <m:r>
-                      <a:rPr lang="en-US" smtClean="0"/>
+                      <a:rPr lang="en-US" smtClean="0">
+                        <a:latin typeface="Cambria Math" charset="0"/>
+                      </a:rPr>
                       <m:t>=</m:t>
                     </m:r>
                     <m:r>
-                      <a:rPr lang="en-US" smtClean="0"/>
+                      <a:rPr lang="en-US" smtClean="0">
+                        <a:latin typeface="Cambria Math" charset="0"/>
+                      </a:rPr>
                       <m:t>𝐸</m:t>
                     </m:r>
                     <m:d>
                       <m:dPr>
                         <m:ctrlPr>
-                          <a:rPr lang="en-US" smtClean="0"/>
+                          <a:rPr lang="en-US" i="1" smtClean="0">
+                            <a:latin typeface="Cambria Math" charset="0"/>
+                          </a:rPr>
                         </m:ctrlPr>
                       </m:dPr>
                       <m:e>
                         <m:r>
-                          <a:rPr lang="en-US" smtClean="0"/>
+                          <a:rPr lang="en-US" smtClean="0">
+                            <a:latin typeface="Cambria Math" charset="0"/>
+                          </a:rPr>
                           <m:t>𝑝𝑖</m:t>
                         </m:r>
                       </m:e>
                     </m:d>
                     <m:r>
-                      <a:rPr lang="en-US" smtClean="0"/>
+                      <a:rPr lang="en-US" smtClean="0">
+                        <a:latin typeface="Cambria Math" charset="0"/>
+                      </a:rPr>
                       <m:t>=</m:t>
                     </m:r>
                     <m:d>
                       <m:dPr>
                         <m:ctrlPr>
-                          <a:rPr lang="en-US" smtClean="0"/>
+                          <a:rPr lang="en-US" i="1" smtClean="0">
+                            <a:latin typeface="Cambria Math" charset="0"/>
+                          </a:rPr>
                         </m:ctrlPr>
                       </m:dPr>
                       <m:e>
                         <m:r>
-                          <a:rPr lang="en-US" smtClean="0"/>
+                          <a:rPr lang="en-US" smtClean="0">
+                            <a:latin typeface="Cambria Math" charset="0"/>
+                          </a:rPr>
                           <m:t>𝑝𝑖</m:t>
                         </m:r>
                         <m:r>
-                          <a:rPr lang="en-US" smtClean="0"/>
+                          <a:rPr lang="en-US" smtClean="0">
+                            <a:latin typeface="Cambria Math" charset="0"/>
+                          </a:rPr>
                           <m:t>+3</m:t>
                         </m:r>
                       </m:e>
                     </m:d>
                     <m:r>
-                      <a:rPr lang="en-US" smtClean="0"/>
+                      <a:rPr lang="en-US" smtClean="0">
+                        <a:latin typeface="Cambria Math" charset="0"/>
+                      </a:rPr>
                       <m:t> </m:t>
                     </m:r>
                     <m:r>
-                      <a:rPr lang="en-US" smtClean="0"/>
+                      <a:rPr lang="en-US" smtClean="0">
+                        <a:latin typeface="Cambria Math" charset="0"/>
+                      </a:rPr>
                       <m:t>𝑚𝑜𝑑</m:t>
                     </m:r>
                     <m:r>
-                      <a:rPr lang="en-US" smtClean="0"/>
+                      <a:rPr lang="en-US" smtClean="0">
+                        <a:latin typeface="Cambria Math" charset="0"/>
+                      </a:rPr>
                       <m:t> 26</m:t>
                     </m:r>
                   </m:oMath>
@@ -7068,7 +7022,7 @@
             </p:txBody>
           </p:sp>
         </mc:Choice>
-        <mc:Fallback>
+        <mc:Fallback xmlns="">
           <p:sp>
             <p:nvSpPr>
               <p:cNvPr id="3" name="Content Placeholder 2">
@@ -7113,7 +7067,7 @@
           <p:cNvPr id="4" name="Content Placeholder 3" title="Letter to number table">
             <a:extLst>
               <a:ext uri="{FF2B5EF4-FFF2-40B4-BE49-F238E27FC236}">
-                <a16:creationId xmlns:a16="http://schemas.microsoft.com/office/drawing/2014/main" xmlns="" id="{245E1A86-DFBC-408A-B856-C44FDD930B17}"/>
+                <a16:creationId xmlns="" xmlns:a16="http://schemas.microsoft.com/office/drawing/2014/main" id="{245E1A86-DFBC-408A-B856-C44FDD930B17}"/>
               </a:ext>
             </a:extLst>
           </p:cNvPr>
@@ -7142,70 +7096,70 @@
                 <a:gridCol w="922964">
                   <a:extLst>
                     <a:ext uri="{9D8B030D-6E8A-4147-A177-3AD203B41FA5}">
-                      <a16:colId xmlns:a16="http://schemas.microsoft.com/office/drawing/2014/main" xmlns="" val="3636808494"/>
+                      <a16:colId xmlns="" xmlns:a16="http://schemas.microsoft.com/office/drawing/2014/main" val="3636808494"/>
                     </a:ext>
                   </a:extLst>
                 </a:gridCol>
                 <a:gridCol w="621531">
                   <a:extLst>
                     <a:ext uri="{9D8B030D-6E8A-4147-A177-3AD203B41FA5}">
-                      <a16:colId xmlns:a16="http://schemas.microsoft.com/office/drawing/2014/main" xmlns="" val="3462040187"/>
+                      <a16:colId xmlns="" xmlns:a16="http://schemas.microsoft.com/office/drawing/2014/main" val="3462040187"/>
                     </a:ext>
                   </a:extLst>
                 </a:gridCol>
                 <a:gridCol w="638516">
                   <a:extLst>
                     <a:ext uri="{9D8B030D-6E8A-4147-A177-3AD203B41FA5}">
-                      <a16:colId xmlns:a16="http://schemas.microsoft.com/office/drawing/2014/main" xmlns="" val="2288223094"/>
+                      <a16:colId xmlns="" xmlns:a16="http://schemas.microsoft.com/office/drawing/2014/main" val="2288223094"/>
                     </a:ext>
                   </a:extLst>
                 </a:gridCol>
                 <a:gridCol w="727670">
                   <a:extLst>
                     <a:ext uri="{9D8B030D-6E8A-4147-A177-3AD203B41FA5}">
-                      <a16:colId xmlns:a16="http://schemas.microsoft.com/office/drawing/2014/main" xmlns="" val="3852134344"/>
+                      <a16:colId xmlns="" xmlns:a16="http://schemas.microsoft.com/office/drawing/2014/main" val="3852134344"/>
                     </a:ext>
                   </a:extLst>
                 </a:gridCol>
                 <a:gridCol w="727670">
                   <a:extLst>
                     <a:ext uri="{9D8B030D-6E8A-4147-A177-3AD203B41FA5}">
-                      <a16:colId xmlns:a16="http://schemas.microsoft.com/office/drawing/2014/main" xmlns="" val="3891390626"/>
+                      <a16:colId xmlns="" xmlns:a16="http://schemas.microsoft.com/office/drawing/2014/main" val="3891390626"/>
                     </a:ext>
                   </a:extLst>
                 </a:gridCol>
                 <a:gridCol w="727670">
                   <a:extLst>
                     <a:ext uri="{9D8B030D-6E8A-4147-A177-3AD203B41FA5}">
-                      <a16:colId xmlns:a16="http://schemas.microsoft.com/office/drawing/2014/main" xmlns="" val="3538745628"/>
+                      <a16:colId xmlns="" xmlns:a16="http://schemas.microsoft.com/office/drawing/2014/main" val="3538745628"/>
                     </a:ext>
                   </a:extLst>
                 </a:gridCol>
                 <a:gridCol w="727670">
                   <a:extLst>
                     <a:ext uri="{9D8B030D-6E8A-4147-A177-3AD203B41FA5}">
-                      <a16:colId xmlns:a16="http://schemas.microsoft.com/office/drawing/2014/main" xmlns="" val="2896087975"/>
+                      <a16:colId xmlns="" xmlns:a16="http://schemas.microsoft.com/office/drawing/2014/main" val="2896087975"/>
                     </a:ext>
                   </a:extLst>
                 </a:gridCol>
                 <a:gridCol w="727670">
                   <a:extLst>
                     <a:ext uri="{9D8B030D-6E8A-4147-A177-3AD203B41FA5}">
-                      <a16:colId xmlns:a16="http://schemas.microsoft.com/office/drawing/2014/main" xmlns="" val="1472760441"/>
+                      <a16:colId xmlns="" xmlns:a16="http://schemas.microsoft.com/office/drawing/2014/main" val="1472760441"/>
                     </a:ext>
                   </a:extLst>
                 </a:gridCol>
                 <a:gridCol w="727670">
                   <a:extLst>
                     <a:ext uri="{9D8B030D-6E8A-4147-A177-3AD203B41FA5}">
-                      <a16:colId xmlns:a16="http://schemas.microsoft.com/office/drawing/2014/main" xmlns="" val="1372163404"/>
+                      <a16:colId xmlns="" xmlns:a16="http://schemas.microsoft.com/office/drawing/2014/main" val="1372163404"/>
                     </a:ext>
                   </a:extLst>
                 </a:gridCol>
                 <a:gridCol w="727670">
                   <a:extLst>
                     <a:ext uri="{9D8B030D-6E8A-4147-A177-3AD203B41FA5}">
-                      <a16:colId xmlns:a16="http://schemas.microsoft.com/office/drawing/2014/main" xmlns="" val="1111038328"/>
+                      <a16:colId xmlns="" xmlns:a16="http://schemas.microsoft.com/office/drawing/2014/main" val="1111038328"/>
                     </a:ext>
                   </a:extLst>
                 </a:gridCol>
@@ -7352,7 +7306,7 @@
                 </a:tc>
                 <a:extLst>
                   <a:ext uri="{0D108BD9-81ED-4DB2-BD59-A6C34878D82A}">
-                    <a16:rowId xmlns:a16="http://schemas.microsoft.com/office/drawing/2014/main" xmlns="" val="869857019"/>
+                    <a16:rowId xmlns="" xmlns:a16="http://schemas.microsoft.com/office/drawing/2014/main" val="869857019"/>
                   </a:ext>
                 </a:extLst>
               </a:tr>
@@ -7498,7 +7452,7 @@
                 </a:tc>
                 <a:extLst>
                   <a:ext uri="{0D108BD9-81ED-4DB2-BD59-A6C34878D82A}">
-                    <a16:rowId xmlns:a16="http://schemas.microsoft.com/office/drawing/2014/main" xmlns="" val="3318875305"/>
+                    <a16:rowId xmlns="" xmlns:a16="http://schemas.microsoft.com/office/drawing/2014/main" val="3318875305"/>
                   </a:ext>
                 </a:extLst>
               </a:tr>
@@ -7644,7 +7598,7 @@
                 </a:tc>
                 <a:extLst>
                   <a:ext uri="{0D108BD9-81ED-4DB2-BD59-A6C34878D82A}">
-                    <a16:rowId xmlns:a16="http://schemas.microsoft.com/office/drawing/2014/main" xmlns="" val="786886679"/>
+                    <a16:rowId xmlns="" xmlns:a16="http://schemas.microsoft.com/office/drawing/2014/main" val="786886679"/>
                   </a:ext>
                 </a:extLst>
               </a:tr>
@@ -7790,7 +7744,7 @@
                 </a:tc>
                 <a:extLst>
                   <a:ext uri="{0D108BD9-81ED-4DB2-BD59-A6C34878D82A}">
-                    <a16:rowId xmlns:a16="http://schemas.microsoft.com/office/drawing/2014/main" xmlns="" val="2393004046"/>
+                    <a16:rowId xmlns="" xmlns:a16="http://schemas.microsoft.com/office/drawing/2014/main" val="2393004046"/>
                   </a:ext>
                 </a:extLst>
               </a:tr>
@@ -7933,7 +7887,7 @@
                 </a:tc>
                 <a:extLst>
                   <a:ext uri="{0D108BD9-81ED-4DB2-BD59-A6C34878D82A}">
-                    <a16:rowId xmlns:a16="http://schemas.microsoft.com/office/drawing/2014/main" xmlns="" val="1701180944"/>
+                    <a16:rowId xmlns="" xmlns:a16="http://schemas.microsoft.com/office/drawing/2014/main" val="1701180944"/>
                   </a:ext>
                 </a:extLst>
               </a:tr>
@@ -8076,7 +8030,7 @@
                 </a:tc>
                 <a:extLst>
                   <a:ext uri="{0D108BD9-81ED-4DB2-BD59-A6C34878D82A}">
-                    <a16:rowId xmlns:a16="http://schemas.microsoft.com/office/drawing/2014/main" xmlns="" val="115185348"/>
+                    <a16:rowId xmlns="" xmlns:a16="http://schemas.microsoft.com/office/drawing/2014/main" val="115185348"/>
                   </a:ext>
                 </a:extLst>
               </a:tr>
@@ -8119,7 +8073,7 @@
           <p:cNvPr id="2" name="Title 1">
             <a:extLst>
               <a:ext uri="{FF2B5EF4-FFF2-40B4-BE49-F238E27FC236}">
-                <a16:creationId xmlns:a16="http://schemas.microsoft.com/office/drawing/2014/main" xmlns="" id="{5638133F-7762-4811-87CB-51009CB364FE}"/>
+                <a16:creationId xmlns="" xmlns:a16="http://schemas.microsoft.com/office/drawing/2014/main" id="{5638133F-7762-4811-87CB-51009CB364FE}"/>
               </a:ext>
             </a:extLst>
           </p:cNvPr>
@@ -8148,7 +8102,7 @@
           <p:cNvPr id="3" name="Content Placeholder 2">
             <a:extLst>
               <a:ext uri="{FF2B5EF4-FFF2-40B4-BE49-F238E27FC236}">
-                <a16:creationId xmlns:a16="http://schemas.microsoft.com/office/drawing/2014/main" xmlns="" id="{5210CB14-CD1E-4849-B51E-338A8EC8222E}"/>
+                <a16:creationId xmlns="" xmlns:a16="http://schemas.microsoft.com/office/drawing/2014/main" id="{5210CB14-CD1E-4849-B51E-338A8EC8222E}"/>
               </a:ext>
             </a:extLst>
           </p:cNvPr>
@@ -8192,7 +8146,7 @@
           <p:cNvPr id="4" name="Content Placeholder 3" title="Letter to number table">
             <a:extLst>
               <a:ext uri="{FF2B5EF4-FFF2-40B4-BE49-F238E27FC236}">
-                <a16:creationId xmlns:a16="http://schemas.microsoft.com/office/drawing/2014/main" xmlns="" id="{245E1A86-DFBC-408A-B856-C44FDD930B17}"/>
+                <a16:creationId xmlns="" xmlns:a16="http://schemas.microsoft.com/office/drawing/2014/main" id="{245E1A86-DFBC-408A-B856-C44FDD930B17}"/>
               </a:ext>
             </a:extLst>
           </p:cNvPr>
@@ -8221,70 +8175,70 @@
                 <a:gridCol w="817064">
                   <a:extLst>
                     <a:ext uri="{9D8B030D-6E8A-4147-A177-3AD203B41FA5}">
-                      <a16:colId xmlns:a16="http://schemas.microsoft.com/office/drawing/2014/main" xmlns="" val="3636808494"/>
+                      <a16:colId xmlns="" xmlns:a16="http://schemas.microsoft.com/office/drawing/2014/main" val="3636808494"/>
                     </a:ext>
                   </a:extLst>
                 </a:gridCol>
                 <a:gridCol w="587716">
                   <a:extLst>
                     <a:ext uri="{9D8B030D-6E8A-4147-A177-3AD203B41FA5}">
-                      <a16:colId xmlns:a16="http://schemas.microsoft.com/office/drawing/2014/main" xmlns="" val="3462040187"/>
+                      <a16:colId xmlns="" xmlns:a16="http://schemas.microsoft.com/office/drawing/2014/main" val="3462040187"/>
                     </a:ext>
                   </a:extLst>
                 </a:gridCol>
                 <a:gridCol w="702390">
                   <a:extLst>
                     <a:ext uri="{9D8B030D-6E8A-4147-A177-3AD203B41FA5}">
-                      <a16:colId xmlns:a16="http://schemas.microsoft.com/office/drawing/2014/main" xmlns="" val="2288223094"/>
+                      <a16:colId xmlns="" xmlns:a16="http://schemas.microsoft.com/office/drawing/2014/main" val="2288223094"/>
                     </a:ext>
                   </a:extLst>
                 </a:gridCol>
                 <a:gridCol w="702390">
                   <a:extLst>
                     <a:ext uri="{9D8B030D-6E8A-4147-A177-3AD203B41FA5}">
-                      <a16:colId xmlns:a16="http://schemas.microsoft.com/office/drawing/2014/main" xmlns="" val="3852134344"/>
+                      <a16:colId xmlns="" xmlns:a16="http://schemas.microsoft.com/office/drawing/2014/main" val="3852134344"/>
                     </a:ext>
                   </a:extLst>
                 </a:gridCol>
                 <a:gridCol w="702390">
                   <a:extLst>
                     <a:ext uri="{9D8B030D-6E8A-4147-A177-3AD203B41FA5}">
-                      <a16:colId xmlns:a16="http://schemas.microsoft.com/office/drawing/2014/main" xmlns="" val="3891390626"/>
+                      <a16:colId xmlns="" xmlns:a16="http://schemas.microsoft.com/office/drawing/2014/main" val="3891390626"/>
                     </a:ext>
                   </a:extLst>
                 </a:gridCol>
                 <a:gridCol w="702390">
                   <a:extLst>
                     <a:ext uri="{9D8B030D-6E8A-4147-A177-3AD203B41FA5}">
-                      <a16:colId xmlns:a16="http://schemas.microsoft.com/office/drawing/2014/main" xmlns="" val="3538745628"/>
+                      <a16:colId xmlns="" xmlns:a16="http://schemas.microsoft.com/office/drawing/2014/main" val="3538745628"/>
                     </a:ext>
                   </a:extLst>
                 </a:gridCol>
                 <a:gridCol w="702390">
                   <a:extLst>
                     <a:ext uri="{9D8B030D-6E8A-4147-A177-3AD203B41FA5}">
-                      <a16:colId xmlns:a16="http://schemas.microsoft.com/office/drawing/2014/main" xmlns="" val="2896087975"/>
+                      <a16:colId xmlns="" xmlns:a16="http://schemas.microsoft.com/office/drawing/2014/main" val="2896087975"/>
                     </a:ext>
                   </a:extLst>
                 </a:gridCol>
                 <a:gridCol w="702390">
                   <a:extLst>
                     <a:ext uri="{9D8B030D-6E8A-4147-A177-3AD203B41FA5}">
-                      <a16:colId xmlns:a16="http://schemas.microsoft.com/office/drawing/2014/main" xmlns="" val="1472760441"/>
+                      <a16:colId xmlns="" xmlns:a16="http://schemas.microsoft.com/office/drawing/2014/main" val="1472760441"/>
                     </a:ext>
                   </a:extLst>
                 </a:gridCol>
                 <a:gridCol w="702390">
                   <a:extLst>
                     <a:ext uri="{9D8B030D-6E8A-4147-A177-3AD203B41FA5}">
-                      <a16:colId xmlns:a16="http://schemas.microsoft.com/office/drawing/2014/main" xmlns="" val="1372163404"/>
+                      <a16:colId xmlns="" xmlns:a16="http://schemas.microsoft.com/office/drawing/2014/main" val="1372163404"/>
                     </a:ext>
                   </a:extLst>
                 </a:gridCol>
                 <a:gridCol w="702390">
                   <a:extLst>
                     <a:ext uri="{9D8B030D-6E8A-4147-A177-3AD203B41FA5}">
-                      <a16:colId xmlns:a16="http://schemas.microsoft.com/office/drawing/2014/main" xmlns="" val="1111038328"/>
+                      <a16:colId xmlns="" xmlns:a16="http://schemas.microsoft.com/office/drawing/2014/main" val="1111038328"/>
                     </a:ext>
                   </a:extLst>
                 </a:gridCol>
@@ -8431,7 +8385,7 @@
                 </a:tc>
                 <a:extLst>
                   <a:ext uri="{0D108BD9-81ED-4DB2-BD59-A6C34878D82A}">
-                    <a16:rowId xmlns:a16="http://schemas.microsoft.com/office/drawing/2014/main" xmlns="" val="869857019"/>
+                    <a16:rowId xmlns="" xmlns:a16="http://schemas.microsoft.com/office/drawing/2014/main" val="869857019"/>
                   </a:ext>
                 </a:extLst>
               </a:tr>
@@ -8577,7 +8531,7 @@
                 </a:tc>
                 <a:extLst>
                   <a:ext uri="{0D108BD9-81ED-4DB2-BD59-A6C34878D82A}">
-                    <a16:rowId xmlns:a16="http://schemas.microsoft.com/office/drawing/2014/main" xmlns="" val="3318875305"/>
+                    <a16:rowId xmlns="" xmlns:a16="http://schemas.microsoft.com/office/drawing/2014/main" val="3318875305"/>
                   </a:ext>
                 </a:extLst>
               </a:tr>
@@ -8723,7 +8677,7 @@
                 </a:tc>
                 <a:extLst>
                   <a:ext uri="{0D108BD9-81ED-4DB2-BD59-A6C34878D82A}">
-                    <a16:rowId xmlns:a16="http://schemas.microsoft.com/office/drawing/2014/main" xmlns="" val="786886679"/>
+                    <a16:rowId xmlns="" xmlns:a16="http://schemas.microsoft.com/office/drawing/2014/main" val="786886679"/>
                   </a:ext>
                 </a:extLst>
               </a:tr>
@@ -8869,7 +8823,7 @@
                 </a:tc>
                 <a:extLst>
                   <a:ext uri="{0D108BD9-81ED-4DB2-BD59-A6C34878D82A}">
-                    <a16:rowId xmlns:a16="http://schemas.microsoft.com/office/drawing/2014/main" xmlns="" val="2393004046"/>
+                    <a16:rowId xmlns="" xmlns:a16="http://schemas.microsoft.com/office/drawing/2014/main" val="2393004046"/>
                   </a:ext>
                 </a:extLst>
               </a:tr>
@@ -9012,7 +8966,7 @@
                 </a:tc>
                 <a:extLst>
                   <a:ext uri="{0D108BD9-81ED-4DB2-BD59-A6C34878D82A}">
-                    <a16:rowId xmlns:a16="http://schemas.microsoft.com/office/drawing/2014/main" xmlns="" val="1701180944"/>
+                    <a16:rowId xmlns="" xmlns:a16="http://schemas.microsoft.com/office/drawing/2014/main" val="1701180944"/>
                   </a:ext>
                 </a:extLst>
               </a:tr>
@@ -9155,7 +9109,7 @@
                 </a:tc>
                 <a:extLst>
                   <a:ext uri="{0D108BD9-81ED-4DB2-BD59-A6C34878D82A}">
-                    <a16:rowId xmlns:a16="http://schemas.microsoft.com/office/drawing/2014/main" xmlns="" val="115185348"/>
+                    <a16:rowId xmlns="" xmlns:a16="http://schemas.microsoft.com/office/drawing/2014/main" val="115185348"/>
                   </a:ext>
                 </a:extLst>
               </a:tr>
@@ -9347,7 +9301,7 @@
           <p:cNvPr id="2" name="Title 1">
             <a:extLst>
               <a:ext uri="{FF2B5EF4-FFF2-40B4-BE49-F238E27FC236}">
-                <a16:creationId xmlns:a16="http://schemas.microsoft.com/office/drawing/2014/main" xmlns="" id="{02CCA0EE-4C53-4879-905A-523D038462D1}"/>
+                <a16:creationId xmlns="" xmlns:a16="http://schemas.microsoft.com/office/drawing/2014/main" id="{02CCA0EE-4C53-4879-905A-523D038462D1}"/>
               </a:ext>
             </a:extLst>
           </p:cNvPr>
@@ -9376,7 +9330,7 @@
           <p:cNvPr id="3" name="Content Placeholder 2">
             <a:extLst>
               <a:ext uri="{FF2B5EF4-FFF2-40B4-BE49-F238E27FC236}">
-                <a16:creationId xmlns:a16="http://schemas.microsoft.com/office/drawing/2014/main" xmlns="" id="{F79FE625-8937-41B0-B2B4-4E55F7A91098}"/>
+                <a16:creationId xmlns="" xmlns:a16="http://schemas.microsoft.com/office/drawing/2014/main" id="{F79FE625-8937-41B0-B2B4-4E55F7A91098}"/>
               </a:ext>
             </a:extLst>
           </p:cNvPr>
@@ -9816,7 +9770,7 @@
           <p:cNvPr id="4" name="Content Placeholder 3" title="letter to number table">
             <a:extLst>
               <a:ext uri="{FF2B5EF4-FFF2-40B4-BE49-F238E27FC236}">
-                <a16:creationId xmlns:a16="http://schemas.microsoft.com/office/drawing/2014/main" xmlns="" id="{245E1A86-DFBC-408A-B856-C44FDD930B17}"/>
+                <a16:creationId xmlns="" xmlns:a16="http://schemas.microsoft.com/office/drawing/2014/main" id="{245E1A86-DFBC-408A-B856-C44FDD930B17}"/>
               </a:ext>
             </a:extLst>
           </p:cNvPr>
@@ -9845,63 +9799,63 @@
                 <a:gridCol w="496056">
                   <a:extLst>
                     <a:ext uri="{9D8B030D-6E8A-4147-A177-3AD203B41FA5}">
-                      <a16:colId xmlns:a16="http://schemas.microsoft.com/office/drawing/2014/main" xmlns="" val="3462040187"/>
+                      <a16:colId xmlns="" xmlns:a16="http://schemas.microsoft.com/office/drawing/2014/main" val="3462040187"/>
                     </a:ext>
                   </a:extLst>
                 </a:gridCol>
                 <a:gridCol w="496056">
                   <a:extLst>
                     <a:ext uri="{9D8B030D-6E8A-4147-A177-3AD203B41FA5}">
-                      <a16:colId xmlns:a16="http://schemas.microsoft.com/office/drawing/2014/main" xmlns="" val="2288223094"/>
+                      <a16:colId xmlns="" xmlns:a16="http://schemas.microsoft.com/office/drawing/2014/main" val="2288223094"/>
                     </a:ext>
                   </a:extLst>
                 </a:gridCol>
                 <a:gridCol w="496056">
                   <a:extLst>
                     <a:ext uri="{9D8B030D-6E8A-4147-A177-3AD203B41FA5}">
-                      <a16:colId xmlns:a16="http://schemas.microsoft.com/office/drawing/2014/main" xmlns="" val="3852134344"/>
+                      <a16:colId xmlns="" xmlns:a16="http://schemas.microsoft.com/office/drawing/2014/main" val="3852134344"/>
                     </a:ext>
                   </a:extLst>
                 </a:gridCol>
                 <a:gridCol w="496056">
                   <a:extLst>
                     <a:ext uri="{9D8B030D-6E8A-4147-A177-3AD203B41FA5}">
-                      <a16:colId xmlns:a16="http://schemas.microsoft.com/office/drawing/2014/main" xmlns="" val="3891390626"/>
+                      <a16:colId xmlns="" xmlns:a16="http://schemas.microsoft.com/office/drawing/2014/main" val="3891390626"/>
                     </a:ext>
                   </a:extLst>
                 </a:gridCol>
                 <a:gridCol w="496056">
                   <a:extLst>
                     <a:ext uri="{9D8B030D-6E8A-4147-A177-3AD203B41FA5}">
-                      <a16:colId xmlns:a16="http://schemas.microsoft.com/office/drawing/2014/main" xmlns="" val="3538745628"/>
+                      <a16:colId xmlns="" xmlns:a16="http://schemas.microsoft.com/office/drawing/2014/main" val="3538745628"/>
                     </a:ext>
                   </a:extLst>
                 </a:gridCol>
                 <a:gridCol w="496056">
                   <a:extLst>
                     <a:ext uri="{9D8B030D-6E8A-4147-A177-3AD203B41FA5}">
-                      <a16:colId xmlns:a16="http://schemas.microsoft.com/office/drawing/2014/main" xmlns="" val="2896087975"/>
+                      <a16:colId xmlns="" xmlns:a16="http://schemas.microsoft.com/office/drawing/2014/main" val="2896087975"/>
                     </a:ext>
                   </a:extLst>
                 </a:gridCol>
                 <a:gridCol w="496056">
                   <a:extLst>
                     <a:ext uri="{9D8B030D-6E8A-4147-A177-3AD203B41FA5}">
-                      <a16:colId xmlns:a16="http://schemas.microsoft.com/office/drawing/2014/main" xmlns="" val="1472760441"/>
+                      <a16:colId xmlns="" xmlns:a16="http://schemas.microsoft.com/office/drawing/2014/main" val="1472760441"/>
                     </a:ext>
                   </a:extLst>
                 </a:gridCol>
                 <a:gridCol w="496056">
                   <a:extLst>
                     <a:ext uri="{9D8B030D-6E8A-4147-A177-3AD203B41FA5}">
-                      <a16:colId xmlns:a16="http://schemas.microsoft.com/office/drawing/2014/main" xmlns="" val="1372163404"/>
+                      <a16:colId xmlns="" xmlns:a16="http://schemas.microsoft.com/office/drawing/2014/main" val="1372163404"/>
                     </a:ext>
                   </a:extLst>
                 </a:gridCol>
                 <a:gridCol w="496056">
                   <a:extLst>
                     <a:ext uri="{9D8B030D-6E8A-4147-A177-3AD203B41FA5}">
-                      <a16:colId xmlns:a16="http://schemas.microsoft.com/office/drawing/2014/main" xmlns="" val="1111038328"/>
+                      <a16:colId xmlns="" xmlns:a16="http://schemas.microsoft.com/office/drawing/2014/main" val="1111038328"/>
                     </a:ext>
                   </a:extLst>
                 </a:gridCol>
@@ -10035,7 +9989,7 @@
                 </a:tc>
                 <a:extLst>
                   <a:ext uri="{0D108BD9-81ED-4DB2-BD59-A6C34878D82A}">
-                    <a16:rowId xmlns:a16="http://schemas.microsoft.com/office/drawing/2014/main" xmlns="" val="869857019"/>
+                    <a16:rowId xmlns="" xmlns:a16="http://schemas.microsoft.com/office/drawing/2014/main" val="869857019"/>
                   </a:ext>
                 </a:extLst>
               </a:tr>
@@ -10168,7 +10122,7 @@
                 </a:tc>
                 <a:extLst>
                   <a:ext uri="{0D108BD9-81ED-4DB2-BD59-A6C34878D82A}">
-                    <a16:rowId xmlns:a16="http://schemas.microsoft.com/office/drawing/2014/main" xmlns="" val="3318875305"/>
+                    <a16:rowId xmlns="" xmlns:a16="http://schemas.microsoft.com/office/drawing/2014/main" val="3318875305"/>
                   </a:ext>
                 </a:extLst>
               </a:tr>
@@ -10301,7 +10255,7 @@
                 </a:tc>
                 <a:extLst>
                   <a:ext uri="{0D108BD9-81ED-4DB2-BD59-A6C34878D82A}">
-                    <a16:rowId xmlns:a16="http://schemas.microsoft.com/office/drawing/2014/main" xmlns="" val="786886679"/>
+                    <a16:rowId xmlns="" xmlns:a16="http://schemas.microsoft.com/office/drawing/2014/main" val="786886679"/>
                   </a:ext>
                 </a:extLst>
               </a:tr>
@@ -10434,7 +10388,7 @@
                 </a:tc>
                 <a:extLst>
                   <a:ext uri="{0D108BD9-81ED-4DB2-BD59-A6C34878D82A}">
-                    <a16:rowId xmlns:a16="http://schemas.microsoft.com/office/drawing/2014/main" xmlns="" val="2393004046"/>
+                    <a16:rowId xmlns="" xmlns:a16="http://schemas.microsoft.com/office/drawing/2014/main" val="2393004046"/>
                   </a:ext>
                 </a:extLst>
               </a:tr>
@@ -10564,7 +10518,7 @@
                 </a:tc>
                 <a:extLst>
                   <a:ext uri="{0D108BD9-81ED-4DB2-BD59-A6C34878D82A}">
-                    <a16:rowId xmlns:a16="http://schemas.microsoft.com/office/drawing/2014/main" xmlns="" val="1701180944"/>
+                    <a16:rowId xmlns="" xmlns:a16="http://schemas.microsoft.com/office/drawing/2014/main" val="1701180944"/>
                   </a:ext>
                 </a:extLst>
               </a:tr>
@@ -10694,7 +10648,7 @@
                 </a:tc>
                 <a:extLst>
                   <a:ext uri="{0D108BD9-81ED-4DB2-BD59-A6C34878D82A}">
-                    <a16:rowId xmlns:a16="http://schemas.microsoft.com/office/drawing/2014/main" xmlns="" val="115185348"/>
+                    <a16:rowId xmlns="" xmlns:a16="http://schemas.microsoft.com/office/drawing/2014/main" val="115185348"/>
                   </a:ext>
                 </a:extLst>
               </a:tr>
@@ -10796,7 +10750,7 @@
           <p:cNvPr id="7" name="Content Placeholder 3" title="letter to number table">
             <a:extLst>
               <a:ext uri="{FF2B5EF4-FFF2-40B4-BE49-F238E27FC236}">
-                <a16:creationId xmlns:a16="http://schemas.microsoft.com/office/drawing/2014/main" xmlns="" id="{245E1A86-DFBC-408A-B856-C44FDD930B17}"/>
+                <a16:creationId xmlns="" xmlns:a16="http://schemas.microsoft.com/office/drawing/2014/main" id="{245E1A86-DFBC-408A-B856-C44FDD930B17}"/>
               </a:ext>
             </a:extLst>
           </p:cNvPr>
@@ -10825,63 +10779,63 @@
                 <a:gridCol w="496056">
                   <a:extLst>
                     <a:ext uri="{9D8B030D-6E8A-4147-A177-3AD203B41FA5}">
-                      <a16:colId xmlns:a16="http://schemas.microsoft.com/office/drawing/2014/main" xmlns="" val="3462040187"/>
+                      <a16:colId xmlns="" xmlns:a16="http://schemas.microsoft.com/office/drawing/2014/main" val="3462040187"/>
                     </a:ext>
                   </a:extLst>
                 </a:gridCol>
                 <a:gridCol w="496056">
                   <a:extLst>
                     <a:ext uri="{9D8B030D-6E8A-4147-A177-3AD203B41FA5}">
-                      <a16:colId xmlns:a16="http://schemas.microsoft.com/office/drawing/2014/main" xmlns="" val="2288223094"/>
+                      <a16:colId xmlns="" xmlns:a16="http://schemas.microsoft.com/office/drawing/2014/main" val="2288223094"/>
                     </a:ext>
                   </a:extLst>
                 </a:gridCol>
                 <a:gridCol w="496056">
                   <a:extLst>
                     <a:ext uri="{9D8B030D-6E8A-4147-A177-3AD203B41FA5}">
-                      <a16:colId xmlns:a16="http://schemas.microsoft.com/office/drawing/2014/main" xmlns="" val="3852134344"/>
+                      <a16:colId xmlns="" xmlns:a16="http://schemas.microsoft.com/office/drawing/2014/main" val="3852134344"/>
                     </a:ext>
                   </a:extLst>
                 </a:gridCol>
                 <a:gridCol w="496056">
                   <a:extLst>
                     <a:ext uri="{9D8B030D-6E8A-4147-A177-3AD203B41FA5}">
-                      <a16:colId xmlns:a16="http://schemas.microsoft.com/office/drawing/2014/main" xmlns="" val="3891390626"/>
+                      <a16:colId xmlns="" xmlns:a16="http://schemas.microsoft.com/office/drawing/2014/main" val="3891390626"/>
                     </a:ext>
                   </a:extLst>
                 </a:gridCol>
                 <a:gridCol w="496056">
                   <a:extLst>
                     <a:ext uri="{9D8B030D-6E8A-4147-A177-3AD203B41FA5}">
-                      <a16:colId xmlns:a16="http://schemas.microsoft.com/office/drawing/2014/main" xmlns="" val="3538745628"/>
+                      <a16:colId xmlns="" xmlns:a16="http://schemas.microsoft.com/office/drawing/2014/main" val="3538745628"/>
                     </a:ext>
                   </a:extLst>
                 </a:gridCol>
                 <a:gridCol w="496056">
                   <a:extLst>
                     <a:ext uri="{9D8B030D-6E8A-4147-A177-3AD203B41FA5}">
-                      <a16:colId xmlns:a16="http://schemas.microsoft.com/office/drawing/2014/main" xmlns="" val="2896087975"/>
+                      <a16:colId xmlns="" xmlns:a16="http://schemas.microsoft.com/office/drawing/2014/main" val="2896087975"/>
                     </a:ext>
                   </a:extLst>
                 </a:gridCol>
                 <a:gridCol w="496056">
                   <a:extLst>
                     <a:ext uri="{9D8B030D-6E8A-4147-A177-3AD203B41FA5}">
-                      <a16:colId xmlns:a16="http://schemas.microsoft.com/office/drawing/2014/main" xmlns="" val="1472760441"/>
+                      <a16:colId xmlns="" xmlns:a16="http://schemas.microsoft.com/office/drawing/2014/main" val="1472760441"/>
                     </a:ext>
                   </a:extLst>
                 </a:gridCol>
                 <a:gridCol w="496056">
                   <a:extLst>
                     <a:ext uri="{9D8B030D-6E8A-4147-A177-3AD203B41FA5}">
-                      <a16:colId xmlns:a16="http://schemas.microsoft.com/office/drawing/2014/main" xmlns="" val="1372163404"/>
+                      <a16:colId xmlns="" xmlns:a16="http://schemas.microsoft.com/office/drawing/2014/main" val="1372163404"/>
                     </a:ext>
                   </a:extLst>
                 </a:gridCol>
                 <a:gridCol w="496056">
                   <a:extLst>
                     <a:ext uri="{9D8B030D-6E8A-4147-A177-3AD203B41FA5}">
-                      <a16:colId xmlns:a16="http://schemas.microsoft.com/office/drawing/2014/main" xmlns="" val="1111038328"/>
+                      <a16:colId xmlns="" xmlns:a16="http://schemas.microsoft.com/office/drawing/2014/main" val="1111038328"/>
                     </a:ext>
                   </a:extLst>
                 </a:gridCol>
@@ -11015,7 +10969,7 @@
                 </a:tc>
                 <a:extLst>
                   <a:ext uri="{0D108BD9-81ED-4DB2-BD59-A6C34878D82A}">
-                    <a16:rowId xmlns:a16="http://schemas.microsoft.com/office/drawing/2014/main" xmlns="" val="869857019"/>
+                    <a16:rowId xmlns="" xmlns:a16="http://schemas.microsoft.com/office/drawing/2014/main" val="869857019"/>
                   </a:ext>
                 </a:extLst>
               </a:tr>
@@ -11148,7 +11102,7 @@
                 </a:tc>
                 <a:extLst>
                   <a:ext uri="{0D108BD9-81ED-4DB2-BD59-A6C34878D82A}">
-                    <a16:rowId xmlns:a16="http://schemas.microsoft.com/office/drawing/2014/main" xmlns="" val="3318875305"/>
+                    <a16:rowId xmlns="" xmlns:a16="http://schemas.microsoft.com/office/drawing/2014/main" val="3318875305"/>
                   </a:ext>
                 </a:extLst>
               </a:tr>
@@ -11281,7 +11235,7 @@
                 </a:tc>
                 <a:extLst>
                   <a:ext uri="{0D108BD9-81ED-4DB2-BD59-A6C34878D82A}">
-                    <a16:rowId xmlns:a16="http://schemas.microsoft.com/office/drawing/2014/main" xmlns="" val="786886679"/>
+                    <a16:rowId xmlns="" xmlns:a16="http://schemas.microsoft.com/office/drawing/2014/main" val="786886679"/>
                   </a:ext>
                 </a:extLst>
               </a:tr>
@@ -11414,7 +11368,7 @@
                 </a:tc>
                 <a:extLst>
                   <a:ext uri="{0D108BD9-81ED-4DB2-BD59-A6C34878D82A}">
-                    <a16:rowId xmlns:a16="http://schemas.microsoft.com/office/drawing/2014/main" xmlns="" val="2393004046"/>
+                    <a16:rowId xmlns="" xmlns:a16="http://schemas.microsoft.com/office/drawing/2014/main" val="2393004046"/>
                   </a:ext>
                 </a:extLst>
               </a:tr>
@@ -11544,7 +11498,7 @@
                 </a:tc>
                 <a:extLst>
                   <a:ext uri="{0D108BD9-81ED-4DB2-BD59-A6C34878D82A}">
-                    <a16:rowId xmlns:a16="http://schemas.microsoft.com/office/drawing/2014/main" xmlns="" val="1701180944"/>
+                    <a16:rowId xmlns="" xmlns:a16="http://schemas.microsoft.com/office/drawing/2014/main" val="1701180944"/>
                   </a:ext>
                 </a:extLst>
               </a:tr>
@@ -11674,7 +11628,7 @@
                 </a:tc>
                 <a:extLst>
                   <a:ext uri="{0D108BD9-81ED-4DB2-BD59-A6C34878D82A}">
-                    <a16:rowId xmlns:a16="http://schemas.microsoft.com/office/drawing/2014/main" xmlns="" val="115185348"/>
+                    <a16:rowId xmlns="" xmlns:a16="http://schemas.microsoft.com/office/drawing/2014/main" val="115185348"/>
                   </a:ext>
                 </a:extLst>
               </a:tr>
@@ -11803,7 +11757,7 @@
           <p:cNvPr id="7" name="Content Placeholder 3" title="letter to number table">
             <a:extLst>
               <a:ext uri="{FF2B5EF4-FFF2-40B4-BE49-F238E27FC236}">
-                <a16:creationId xmlns:a16="http://schemas.microsoft.com/office/drawing/2014/main" xmlns="" id="{245E1A86-DFBC-408A-B856-C44FDD930B17}"/>
+                <a16:creationId xmlns="" xmlns:a16="http://schemas.microsoft.com/office/drawing/2014/main" id="{245E1A86-DFBC-408A-B856-C44FDD930B17}"/>
               </a:ext>
             </a:extLst>
           </p:cNvPr>
@@ -11832,63 +11786,63 @@
                 <a:gridCol w="496056">
                   <a:extLst>
                     <a:ext uri="{9D8B030D-6E8A-4147-A177-3AD203B41FA5}">
-                      <a16:colId xmlns:a16="http://schemas.microsoft.com/office/drawing/2014/main" xmlns="" val="3462040187"/>
+                      <a16:colId xmlns="" xmlns:a16="http://schemas.microsoft.com/office/drawing/2014/main" val="3462040187"/>
                     </a:ext>
                   </a:extLst>
                 </a:gridCol>
                 <a:gridCol w="496056">
                   <a:extLst>
                     <a:ext uri="{9D8B030D-6E8A-4147-A177-3AD203B41FA5}">
-                      <a16:colId xmlns:a16="http://schemas.microsoft.com/office/drawing/2014/main" xmlns="" val="2288223094"/>
+                      <a16:colId xmlns="" xmlns:a16="http://schemas.microsoft.com/office/drawing/2014/main" val="2288223094"/>
                     </a:ext>
                   </a:extLst>
                 </a:gridCol>
                 <a:gridCol w="496056">
                   <a:extLst>
                     <a:ext uri="{9D8B030D-6E8A-4147-A177-3AD203B41FA5}">
-                      <a16:colId xmlns:a16="http://schemas.microsoft.com/office/drawing/2014/main" xmlns="" val="3852134344"/>
+                      <a16:colId xmlns="" xmlns:a16="http://schemas.microsoft.com/office/drawing/2014/main" val="3852134344"/>
                     </a:ext>
                   </a:extLst>
                 </a:gridCol>
                 <a:gridCol w="496056">
                   <a:extLst>
                     <a:ext uri="{9D8B030D-6E8A-4147-A177-3AD203B41FA5}">
-                      <a16:colId xmlns:a16="http://schemas.microsoft.com/office/drawing/2014/main" xmlns="" val="3891390626"/>
+                      <a16:colId xmlns="" xmlns:a16="http://schemas.microsoft.com/office/drawing/2014/main" val="3891390626"/>
                     </a:ext>
                   </a:extLst>
                 </a:gridCol>
                 <a:gridCol w="496056">
                   <a:extLst>
                     <a:ext uri="{9D8B030D-6E8A-4147-A177-3AD203B41FA5}">
-                      <a16:colId xmlns:a16="http://schemas.microsoft.com/office/drawing/2014/main" xmlns="" val="3538745628"/>
+                      <a16:colId xmlns="" xmlns:a16="http://schemas.microsoft.com/office/drawing/2014/main" val="3538745628"/>
                     </a:ext>
                   </a:extLst>
                 </a:gridCol>
                 <a:gridCol w="496056">
                   <a:extLst>
                     <a:ext uri="{9D8B030D-6E8A-4147-A177-3AD203B41FA5}">
-                      <a16:colId xmlns:a16="http://schemas.microsoft.com/office/drawing/2014/main" xmlns="" val="2896087975"/>
+                      <a16:colId xmlns="" xmlns:a16="http://schemas.microsoft.com/office/drawing/2014/main" val="2896087975"/>
                     </a:ext>
                   </a:extLst>
                 </a:gridCol>
                 <a:gridCol w="496056">
                   <a:extLst>
                     <a:ext uri="{9D8B030D-6E8A-4147-A177-3AD203B41FA5}">
-                      <a16:colId xmlns:a16="http://schemas.microsoft.com/office/drawing/2014/main" xmlns="" val="1472760441"/>
+                      <a16:colId xmlns="" xmlns:a16="http://schemas.microsoft.com/office/drawing/2014/main" val="1472760441"/>
                     </a:ext>
                   </a:extLst>
                 </a:gridCol>
                 <a:gridCol w="496056">
                   <a:extLst>
                     <a:ext uri="{9D8B030D-6E8A-4147-A177-3AD203B41FA5}">
-                      <a16:colId xmlns:a16="http://schemas.microsoft.com/office/drawing/2014/main" xmlns="" val="1372163404"/>
+                      <a16:colId xmlns="" xmlns:a16="http://schemas.microsoft.com/office/drawing/2014/main" val="1372163404"/>
                     </a:ext>
                   </a:extLst>
                 </a:gridCol>
                 <a:gridCol w="496056">
                   <a:extLst>
                     <a:ext uri="{9D8B030D-6E8A-4147-A177-3AD203B41FA5}">
-                      <a16:colId xmlns:a16="http://schemas.microsoft.com/office/drawing/2014/main" xmlns="" val="1111038328"/>
+                      <a16:colId xmlns="" xmlns:a16="http://schemas.microsoft.com/office/drawing/2014/main" val="1111038328"/>
                     </a:ext>
                   </a:extLst>
                 </a:gridCol>
@@ -12022,7 +11976,7 @@
                 </a:tc>
                 <a:extLst>
                   <a:ext uri="{0D108BD9-81ED-4DB2-BD59-A6C34878D82A}">
-                    <a16:rowId xmlns:a16="http://schemas.microsoft.com/office/drawing/2014/main" xmlns="" val="869857019"/>
+                    <a16:rowId xmlns="" xmlns:a16="http://schemas.microsoft.com/office/drawing/2014/main" val="869857019"/>
                   </a:ext>
                 </a:extLst>
               </a:tr>
@@ -12155,7 +12109,7 @@
                 </a:tc>
                 <a:extLst>
                   <a:ext uri="{0D108BD9-81ED-4DB2-BD59-A6C34878D82A}">
-                    <a16:rowId xmlns:a16="http://schemas.microsoft.com/office/drawing/2014/main" xmlns="" val="3318875305"/>
+                    <a16:rowId xmlns="" xmlns:a16="http://schemas.microsoft.com/office/drawing/2014/main" val="3318875305"/>
                   </a:ext>
                 </a:extLst>
               </a:tr>
@@ -12288,7 +12242,7 @@
                 </a:tc>
                 <a:extLst>
                   <a:ext uri="{0D108BD9-81ED-4DB2-BD59-A6C34878D82A}">
-                    <a16:rowId xmlns:a16="http://schemas.microsoft.com/office/drawing/2014/main" xmlns="" val="786886679"/>
+                    <a16:rowId xmlns="" xmlns:a16="http://schemas.microsoft.com/office/drawing/2014/main" val="786886679"/>
                   </a:ext>
                 </a:extLst>
               </a:tr>
@@ -12421,7 +12375,7 @@
                 </a:tc>
                 <a:extLst>
                   <a:ext uri="{0D108BD9-81ED-4DB2-BD59-A6C34878D82A}">
-                    <a16:rowId xmlns:a16="http://schemas.microsoft.com/office/drawing/2014/main" xmlns="" val="2393004046"/>
+                    <a16:rowId xmlns="" xmlns:a16="http://schemas.microsoft.com/office/drawing/2014/main" val="2393004046"/>
                   </a:ext>
                 </a:extLst>
               </a:tr>
@@ -12551,7 +12505,7 @@
                 </a:tc>
                 <a:extLst>
                   <a:ext uri="{0D108BD9-81ED-4DB2-BD59-A6C34878D82A}">
-                    <a16:rowId xmlns:a16="http://schemas.microsoft.com/office/drawing/2014/main" xmlns="" val="1701180944"/>
+                    <a16:rowId xmlns="" xmlns:a16="http://schemas.microsoft.com/office/drawing/2014/main" val="1701180944"/>
                   </a:ext>
                 </a:extLst>
               </a:tr>
@@ -12681,7 +12635,7 @@
                 </a:tc>
                 <a:extLst>
                   <a:ext uri="{0D108BD9-81ED-4DB2-BD59-A6C34878D82A}">
-                    <a16:rowId xmlns:a16="http://schemas.microsoft.com/office/drawing/2014/main" xmlns="" val="115185348"/>
+                    <a16:rowId xmlns="" xmlns:a16="http://schemas.microsoft.com/office/drawing/2014/main" val="115185348"/>
                   </a:ext>
                 </a:extLst>
               </a:tr>
@@ -13109,7 +13063,7 @@
           <p:cNvPr id="8" name="Title 1">
             <a:extLst>
               <a:ext uri="{FF2B5EF4-FFF2-40B4-BE49-F238E27FC236}">
-                <a16:creationId xmlns="" xmlns:a16="http://schemas.microsoft.com/office/drawing/2014/main" id="{992F630B-24C8-4726-85FB-CF06F2B12F86}"/>
+                <a16:creationId xmlns:a16="http://schemas.microsoft.com/office/drawing/2014/main" xmlns="" id="{992F630B-24C8-4726-85FB-CF06F2B12F86}"/>
               </a:ext>
             </a:extLst>
           </p:cNvPr>
@@ -13493,11 +13447,7 @@
             </a:pPr>
             <a:r>
               <a:rPr lang="en-US" dirty="0" smtClean="0"/>
-              <a:t>Learning </a:t>
-            </a:r>
-            <a:r>
-              <a:rPr lang="en-US" dirty="0" smtClean="0"/>
-              <a:t>Outcomes:</a:t>
+              <a:t>Learning Outcomes:</a:t>
             </a:r>
           </a:p>
           <a:p>
@@ -13758,7 +13708,7 @@
           <p:cNvPr id="2" name="Title 1">
             <a:extLst>
               <a:ext uri="{FF2B5EF4-FFF2-40B4-BE49-F238E27FC236}">
-                <a16:creationId xmlns:a16="http://schemas.microsoft.com/office/drawing/2014/main" xmlns="" id="{AA779898-B3A7-4AF9-867A-4C6EA26EE9E2}"/>
+                <a16:creationId xmlns="" xmlns:a16="http://schemas.microsoft.com/office/drawing/2014/main" id="{AA779898-B3A7-4AF9-867A-4C6EA26EE9E2}"/>
               </a:ext>
             </a:extLst>
           </p:cNvPr>
@@ -13787,7 +13737,7 @@
           <p:cNvPr id="3" name="Content Placeholder 2">
             <a:extLst>
               <a:ext uri="{FF2B5EF4-FFF2-40B4-BE49-F238E27FC236}">
-                <a16:creationId xmlns:a16="http://schemas.microsoft.com/office/drawing/2014/main" xmlns="" id="{D7B1E5C8-855D-4C2B-82E6-9B7A893763AF}"/>
+                <a16:creationId xmlns="" xmlns:a16="http://schemas.microsoft.com/office/drawing/2014/main" id="{D7B1E5C8-855D-4C2B-82E6-9B7A893763AF}"/>
               </a:ext>
             </a:extLst>
           </p:cNvPr>
@@ -13809,11 +13759,7 @@
             </a:r>
             <a:r>
               <a:rPr lang="en-US" sz="2500" dirty="0" smtClean="0"/>
-              <a:t> (encode, encipher) - </a:t>
-            </a:r>
-            <a:r>
-              <a:rPr lang="en-US" sz="2500" dirty="0" smtClean="0"/>
-              <a:t>Conversion of plaintext to </a:t>
+              <a:t> (encode, encipher) - Conversion of plaintext to </a:t>
             </a:r>
             <a:r>
               <a:rPr lang="en-US" sz="2500" dirty="0" err="1" smtClean="0"/>
@@ -13831,11 +13777,7 @@
             </a:r>
             <a:r>
               <a:rPr lang="en-US" sz="2500" dirty="0" smtClean="0"/>
-              <a:t> (decode, decipher) -</a:t>
-            </a:r>
-            <a:r>
-              <a:rPr lang="en-US" sz="2500" dirty="0" smtClean="0"/>
-              <a:t> </a:t>
+              <a:t> (decode, decipher) - </a:t>
             </a:r>
             <a:r>
               <a:rPr lang="en-US" sz="2500" dirty="0"/>
@@ -13849,7 +13791,6 @@
               <a:rPr lang="en-US" sz="2500" dirty="0"/>
               <a:t> to plaintext through the use of a cryptographic algorithm. </a:t>
             </a:r>
-            <a:endParaRPr lang="en-US" sz="2500" dirty="0"/>
           </a:p>
           <a:p>
             <a:r>
@@ -13911,7 +13852,7 @@
           <p:cNvPr id="2" name="Title 1">
             <a:extLst>
               <a:ext uri="{FF2B5EF4-FFF2-40B4-BE49-F238E27FC236}">
-                <a16:creationId xmlns:a16="http://schemas.microsoft.com/office/drawing/2014/main" xmlns="" id="{29579B6E-204D-40DE-80EA-3E6898C3350C}"/>
+                <a16:creationId xmlns="" xmlns:a16="http://schemas.microsoft.com/office/drawing/2014/main" id="{29579B6E-204D-40DE-80EA-3E6898C3350C}"/>
               </a:ext>
             </a:extLst>
           </p:cNvPr>
@@ -13929,24 +13870,20 @@
           <a:p>
             <a:r>
               <a:rPr lang="en-US" smtClean="0"/>
-              <a:t>Encryption </a:t>
-            </a:r>
-            <a:r>
-              <a:rPr lang="en-US" smtClean="0"/>
-              <a:t>Notations</a:t>
+              <a:t>Encryption Notations</a:t>
             </a:r>
             <a:endParaRPr lang="en-US" dirty="0"/>
           </a:p>
         </p:txBody>
       </p:sp>
-      <mc:AlternateContent xmlns:mc="http://schemas.openxmlformats.org/markup-compatibility/2006">
-        <mc:Choice xmlns:a14="http://schemas.microsoft.com/office/drawing/2010/main" Requires="a14">
+      <mc:AlternateContent xmlns:mc="http://schemas.openxmlformats.org/markup-compatibility/2006" xmlns:a14="http://schemas.microsoft.com/office/drawing/2010/main">
+        <mc:Choice Requires="a14">
           <p:sp>
             <p:nvSpPr>
               <p:cNvPr id="3" name="Content Placeholder 2">
                 <a:extLst>
                   <a:ext uri="{FF2B5EF4-FFF2-40B4-BE49-F238E27FC236}">
-                    <a16:creationId xmlns:a16="http://schemas.microsoft.com/office/drawing/2014/main" xmlns="" id="{D82AD40F-43E0-4227-938D-594C418006A7}"/>
+                    <a16:creationId xmlns="" xmlns:a16="http://schemas.microsoft.com/office/drawing/2014/main" id="{D82AD40F-43E0-4227-938D-594C418006A7}"/>
                   </a:ext>
                 </a:extLst>
               </p:cNvPr>
@@ -14007,7 +13944,6 @@
                   <a:rPr lang="en-US" sz="2400" dirty="0"/>
                   <a:t> to plaintext through the use of a cryptographic algorithm. </a:t>
                 </a:r>
-                <a:endParaRPr lang="en-US" sz="2400" dirty="0"/>
               </a:p>
               <a:p>
                 <a:pPr marL="0" indent="0" algn="ctr">
@@ -14016,26 +13952,36 @@
                 <a14:m>
                   <m:oMath xmlns:m="http://schemas.openxmlformats.org/officeDocument/2006/math">
                     <m:r>
-                      <a:rPr lang="en-US" smtClean="0"/>
+                      <a:rPr lang="en-US" smtClean="0">
+                        <a:latin typeface="Cambria Math" charset="0"/>
+                      </a:rPr>
                       <m:t>𝐶</m:t>
                     </m:r>
                     <m:r>
-                      <a:rPr lang="en-US" smtClean="0"/>
+                      <a:rPr lang="en-US" smtClean="0">
+                        <a:latin typeface="Cambria Math" charset="0"/>
+                      </a:rPr>
                       <m:t>=</m:t>
                     </m:r>
                     <m:r>
-                      <a:rPr lang="en-US" smtClean="0"/>
+                      <a:rPr lang="en-US" smtClean="0">
+                        <a:latin typeface="Cambria Math" charset="0"/>
+                      </a:rPr>
                       <m:t>𝐸</m:t>
                     </m:r>
                     <m:d>
                       <m:dPr>
                         <m:ctrlPr>
-                          <a:rPr lang="en-US" smtClean="0"/>
+                          <a:rPr lang="en-US" i="1" smtClean="0">
+                            <a:latin typeface="Cambria Math" charset="0"/>
+                          </a:rPr>
                         </m:ctrlPr>
                       </m:dPr>
                       <m:e>
                         <m:r>
-                          <a:rPr lang="en-US" smtClean="0"/>
+                          <a:rPr lang="en-US" smtClean="0">
+                            <a:latin typeface="Cambria Math" charset="0"/>
+                          </a:rPr>
                           <m:t>𝑃</m:t>
                         </m:r>
                       </m:e>
@@ -14049,27 +13995,39 @@
                 <a14:m>
                   <m:oMath xmlns:m="http://schemas.openxmlformats.org/officeDocument/2006/math">
                     <m:r>
-                      <a:rPr lang="en-US" smtClean="0"/>
+                      <a:rPr lang="en-US" smtClean="0">
+                        <a:latin typeface="Cambria Math" charset="0"/>
+                      </a:rPr>
                       <m:t>𝑃</m:t>
                     </m:r>
                     <m:r>
-                      <a:rPr lang="en-US" smtClean="0"/>
+                      <a:rPr lang="en-US" smtClean="0">
+                        <a:latin typeface="Cambria Math" charset="0"/>
+                      </a:rPr>
                       <m:t>=</m:t>
                     </m:r>
                     <m:r>
-                      <a:rPr lang="en-US" smtClean="0"/>
+                      <a:rPr lang="en-US" smtClean="0">
+                        <a:latin typeface="Cambria Math" charset="0"/>
+                      </a:rPr>
                       <m:t>𝐷</m:t>
                     </m:r>
                     <m:r>
-                      <a:rPr lang="en-US" smtClean="0"/>
+                      <a:rPr lang="en-US" smtClean="0">
+                        <a:latin typeface="Cambria Math" charset="0"/>
+                      </a:rPr>
                       <m:t>(</m:t>
                     </m:r>
                     <m:r>
-                      <a:rPr lang="en-US" smtClean="0"/>
+                      <a:rPr lang="en-US" smtClean="0">
+                        <a:latin typeface="Cambria Math" charset="0"/>
+                      </a:rPr>
                       <m:t>𝐶</m:t>
                     </m:r>
                     <m:r>
-                      <a:rPr lang="en-US" smtClean="0"/>
+                      <a:rPr lang="en-US" smtClean="0">
+                        <a:latin typeface="Cambria Math" charset="0"/>
+                      </a:rPr>
                       <m:t>)</m:t>
                     </m:r>
                   </m:oMath>
@@ -14078,7 +14036,6 @@
                   <a:rPr lang="en-US" dirty="0"/>
                   <a:t> </a:t>
                 </a:r>
-                <a:endParaRPr lang="en-US" dirty="0"/>
               </a:p>
               <a:p>
                 <a:endParaRPr lang="en-US" sz="2400" dirty="0" smtClean="0"/>
@@ -14101,35 +14058,51 @@
                     </m:oMathParaPr>
                     <m:oMath xmlns:m="http://schemas.openxmlformats.org/officeDocument/2006/math">
                       <m:r>
-                        <a:rPr lang="en-US" smtClean="0"/>
+                        <a:rPr lang="en-US" smtClean="0">
+                          <a:latin typeface="Cambria Math" charset="0"/>
+                        </a:rPr>
                         <m:t>𝑃</m:t>
                       </m:r>
                       <m:r>
-                        <a:rPr lang="en-US" smtClean="0"/>
+                        <a:rPr lang="en-US" smtClean="0">
+                          <a:latin typeface="Cambria Math" charset="0"/>
+                        </a:rPr>
                         <m:t>=</m:t>
                       </m:r>
                       <m:r>
-                        <a:rPr lang="en-US" smtClean="0"/>
+                        <a:rPr lang="en-US" smtClean="0">
+                          <a:latin typeface="Cambria Math" charset="0"/>
+                        </a:rPr>
                         <m:t>𝐷</m:t>
                       </m:r>
                       <m:r>
-                        <a:rPr lang="en-US" smtClean="0"/>
+                        <a:rPr lang="en-US" smtClean="0">
+                          <a:latin typeface="Cambria Math" charset="0"/>
+                        </a:rPr>
                         <m:t>(</m:t>
                       </m:r>
                       <m:r>
-                        <a:rPr lang="en-US" smtClean="0"/>
+                        <a:rPr lang="en-US" smtClean="0">
+                          <a:latin typeface="Cambria Math" charset="0"/>
+                        </a:rPr>
                         <m:t>𝐸</m:t>
                       </m:r>
                       <m:r>
-                        <a:rPr lang="en-US" smtClean="0"/>
+                        <a:rPr lang="en-US" smtClean="0">
+                          <a:latin typeface="Cambria Math" charset="0"/>
+                        </a:rPr>
                         <m:t>(</m:t>
                       </m:r>
                       <m:r>
-                        <a:rPr lang="en-US" smtClean="0"/>
+                        <a:rPr lang="en-US" smtClean="0">
+                          <a:latin typeface="Cambria Math" charset="0"/>
+                        </a:rPr>
                         <m:t>𝑃</m:t>
                       </m:r>
                       <m:r>
-                        <a:rPr lang="en-US" smtClean="0"/>
+                        <a:rPr lang="en-US" smtClean="0">
+                          <a:latin typeface="Cambria Math" charset="0"/>
+                        </a:rPr>
                         <m:t>))</m:t>
                       </m:r>
                     </m:oMath>
@@ -14143,7 +14116,7 @@
             </p:txBody>
           </p:sp>
         </mc:Choice>
-        <mc:Fallback>
+        <mc:Fallback xmlns="">
           <p:sp>
             <p:nvSpPr>
               <p:cNvPr id="3" name="Content Placeholder 2">
@@ -14222,7 +14195,7 @@
           <p:cNvPr id="2" name="Title 1">
             <a:extLst>
               <a:ext uri="{FF2B5EF4-FFF2-40B4-BE49-F238E27FC236}">
-                <a16:creationId xmlns:a16="http://schemas.microsoft.com/office/drawing/2014/main" xmlns="" id="{8AE95FC3-E3C8-491F-9DCD-5ECF7726F1B7}"/>
+                <a16:creationId xmlns="" xmlns:a16="http://schemas.microsoft.com/office/drawing/2014/main" id="{8AE95FC3-E3C8-491F-9DCD-5ECF7726F1B7}"/>
               </a:ext>
             </a:extLst>
           </p:cNvPr>
@@ -14246,14 +14219,14 @@
           </a:p>
         </p:txBody>
       </p:sp>
-      <mc:AlternateContent xmlns:mc="http://schemas.openxmlformats.org/markup-compatibility/2006">
-        <mc:Choice xmlns:a14="http://schemas.microsoft.com/office/drawing/2010/main" Requires="a14">
+      <mc:AlternateContent xmlns:mc="http://schemas.openxmlformats.org/markup-compatibility/2006" xmlns:a14="http://schemas.microsoft.com/office/drawing/2010/main">
+        <mc:Choice Requires="a14">
           <p:sp>
             <p:nvSpPr>
               <p:cNvPr id="3" name="Content Placeholder 2">
                 <a:extLst>
                   <a:ext uri="{FF2B5EF4-FFF2-40B4-BE49-F238E27FC236}">
-                    <a16:creationId xmlns:a16="http://schemas.microsoft.com/office/drawing/2014/main" xmlns="" id="{8D15F336-997D-4ADE-AFB3-692895936B81}"/>
+                    <a16:creationId xmlns="" xmlns:a16="http://schemas.microsoft.com/office/drawing/2014/main" id="{8D15F336-997D-4ADE-AFB3-692895936B81}"/>
                   </a:ext>
                 </a:extLst>
               </p:cNvPr>
@@ -14281,35 +14254,51 @@
                       <m:rPr>
                         <m:sty m:val="p"/>
                       </m:rPr>
-                      <a:rPr lang="en-US" smtClean="0"/>
+                      <a:rPr lang="en-US" smtClean="0">
+                        <a:latin typeface="Cambria Math" charset="0"/>
+                      </a:rPr>
                       <m:t>C</m:t>
                     </m:r>
                     <m:r>
-                      <a:rPr lang="en-US" smtClean="0"/>
+                      <a:rPr lang="en-US" smtClean="0">
+                        <a:latin typeface="Cambria Math" charset="0"/>
+                      </a:rPr>
                       <m:t>=</m:t>
                     </m:r>
                     <m:r>
-                      <a:rPr lang="en-US" smtClean="0"/>
+                      <a:rPr lang="en-US" smtClean="0">
+                        <a:latin typeface="Cambria Math" charset="0"/>
+                      </a:rPr>
                       <m:t>𝐸</m:t>
                     </m:r>
                     <m:r>
-                      <a:rPr lang="en-US" smtClean="0"/>
+                      <a:rPr lang="en-US" smtClean="0">
+                        <a:latin typeface="Cambria Math" charset="0"/>
+                      </a:rPr>
                       <m:t>(</m:t>
                     </m:r>
                     <m:r>
-                      <a:rPr lang="en-US" smtClean="0"/>
+                      <a:rPr lang="en-US" smtClean="0">
+                        <a:latin typeface="Cambria Math" charset="0"/>
+                      </a:rPr>
                       <m:t>𝐾</m:t>
                     </m:r>
                     <m:r>
-                      <a:rPr lang="en-US" smtClean="0"/>
+                      <a:rPr lang="en-US" smtClean="0">
+                        <a:latin typeface="Cambria Math" charset="0"/>
+                      </a:rPr>
                       <m:t>,</m:t>
                     </m:r>
                     <m:r>
-                      <a:rPr lang="en-US" smtClean="0"/>
+                      <a:rPr lang="en-US" smtClean="0">
+                        <a:latin typeface="Cambria Math" charset="0"/>
+                      </a:rPr>
                       <m:t>𝑃</m:t>
                     </m:r>
                     <m:r>
-                      <a:rPr lang="en-US" smtClean="0"/>
+                      <a:rPr lang="en-US" smtClean="0">
+                        <a:latin typeface="Cambria Math" charset="0"/>
+                      </a:rPr>
                       <m:t>)</m:t>
                     </m:r>
                   </m:oMath>
@@ -14322,7 +14311,7 @@
             </p:txBody>
           </p:sp>
         </mc:Choice>
-        <mc:Fallback>
+        <mc:Fallback xmlns="">
           <p:sp>
             <p:nvSpPr>
               <p:cNvPr id="3" name="Content Placeholder 2">
@@ -14367,7 +14356,7 @@
           <p:cNvPr id="4" name="Picture 3" title="Encrypted Key ">
             <a:extLst>
               <a:ext uri="{FF2B5EF4-FFF2-40B4-BE49-F238E27FC236}">
-                <a16:creationId xmlns:a16="http://schemas.microsoft.com/office/drawing/2014/main" xmlns="" id="{E88DA2B6-9CC6-4EC9-9A07-DA3651C15AFB}"/>
+                <a16:creationId xmlns="" xmlns:a16="http://schemas.microsoft.com/office/drawing/2014/main" id="{E88DA2B6-9CC6-4EC9-9A07-DA3651C15AFB}"/>
               </a:ext>
             </a:extLst>
           </p:cNvPr>
@@ -14427,7 +14416,7 @@
           <p:cNvPr id="2" name="Title 1">
             <a:extLst>
               <a:ext uri="{FF2B5EF4-FFF2-40B4-BE49-F238E27FC236}">
-                <a16:creationId xmlns:a16="http://schemas.microsoft.com/office/drawing/2014/main" xmlns="" id="{4E01E0C2-95D4-4BD1-850F-DB6356826AA7}"/>
+                <a16:creationId xmlns="" xmlns:a16="http://schemas.microsoft.com/office/drawing/2014/main" id="{4E01E0C2-95D4-4BD1-850F-DB6356826AA7}"/>
               </a:ext>
             </a:extLst>
           </p:cNvPr>
@@ -14456,7 +14445,7 @@
           <p:cNvPr id="3" name="Content Placeholder 2">
             <a:extLst>
               <a:ext uri="{FF2B5EF4-FFF2-40B4-BE49-F238E27FC236}">
-                <a16:creationId xmlns:a16="http://schemas.microsoft.com/office/drawing/2014/main" xmlns="" id="{5866A299-9A00-46E2-B923-8F7E0C6AF8EE}"/>
+                <a16:creationId xmlns="" xmlns:a16="http://schemas.microsoft.com/office/drawing/2014/main" id="{5866A299-9A00-46E2-B923-8F7E0C6AF8EE}"/>
               </a:ext>
             </a:extLst>
           </p:cNvPr>

--- a/IntroCyberSecurity/Module 2 Cryptography/Lesson_1_Cryptography Overview.pptx
+++ b/IntroCyberSecurity/Module 2 Cryptography/Lesson_1_Cryptography Overview.pptx
@@ -38,7 +38,7 @@
     <p:sldId id="368" r:id="rId26"/>
     <p:sldId id="398" r:id="rId27"/>
     <p:sldId id="399" r:id="rId28"/>
-    <p:sldId id="333" r:id="rId29"/>
+    <p:sldId id="400" r:id="rId29"/>
   </p:sldIdLst>
   <p:sldSz cx="9144000" cy="6858000" type="screen4x3"/>
   <p:notesSz cx="7315200" cy="9601200"/>
@@ -275,7 +275,7 @@
           <a:p>
             <a:fld id="{6D34B2BF-B542-344A-87F7-578F86272ED1}" type="datetimeFigureOut">
               <a:rPr lang="en-US" smtClean="0"/>
-              <a:t>4/3/18</a:t>
+              <a:t>4/24/18</a:t>
             </a:fld>
             <a:endParaRPr lang="en-US"/>
           </a:p>
@@ -468,7 +468,7 @@
               <a:pPr>
                 <a:defRPr/>
               </a:pPr>
-              <a:t>4/3/18</a:t>
+              <a:t>4/24/18</a:t>
             </a:fld>
             <a:endParaRPr lang="en-US"/>
           </a:p>
@@ -1020,10 +1020,39 @@
           </a:p>
         </p:txBody>
       </p:sp>
+      <p:sp>
+        <p:nvSpPr>
+          <p:cNvPr id="4" name="Slide Number Placeholder 3"/>
+          <p:cNvSpPr>
+            <a:spLocks noGrp="1"/>
+          </p:cNvSpPr>
+          <p:nvPr>
+            <p:ph type="sldNum" sz="quarter" idx="10"/>
+          </p:nvPr>
+        </p:nvSpPr>
+        <p:spPr/>
+        <p:txBody>
+          <a:bodyPr/>
+          <a:lstStyle/>
+          <a:p>
+            <a:pPr>
+              <a:defRPr/>
+            </a:pPr>
+            <a:fld id="{ABC2C3F8-920C-4239-9891-79F2271E8033}" type="slidenum">
+              <a:rPr lang="en-US" smtClean="0"/>
+              <a:pPr>
+                <a:defRPr/>
+              </a:pPr>
+              <a:t>28</a:t>
+            </a:fld>
+            <a:endParaRPr lang="en-US"/>
+          </a:p>
+        </p:txBody>
+      </p:sp>
     </p:spTree>
     <p:extLst>
       <p:ext uri="{BB962C8B-B14F-4D97-AF65-F5344CB8AC3E}">
-        <p14:creationId xmlns:p14="http://schemas.microsoft.com/office/powerpoint/2010/main" val="2433617412"/>
+        <p14:creationId xmlns:p14="http://schemas.microsoft.com/office/powerpoint/2010/main" val="2105726197"/>
       </p:ext>
     </p:extLst>
   </p:cSld>
@@ -2987,7 +3016,7 @@
           <p:cNvPr id="3" name="Slide Number Placeholder 2">
             <a:extLst>
               <a:ext uri="{FF2B5EF4-FFF2-40B4-BE49-F238E27FC236}">
-                <a16:creationId xmlns:a16="http://schemas.microsoft.com/office/drawing/2014/main" xmlns="" id="{7D2FFADE-E1BC-48C1-83AA-6DDDD39A33C4}"/>
+                <a16:creationId xmlns="" xmlns:a16="http://schemas.microsoft.com/office/drawing/2014/main" id="{7D2FFADE-E1BC-48C1-83AA-6DDDD39A33C4}"/>
               </a:ext>
             </a:extLst>
           </p:cNvPr>
@@ -3022,7 +3051,7 @@
           <p:cNvPr id="9" name="Picture 8">
             <a:extLst>
               <a:ext uri="{FF2B5EF4-FFF2-40B4-BE49-F238E27FC236}">
-                <a16:creationId xmlns:a16="http://schemas.microsoft.com/office/drawing/2014/main" xmlns="" id="{9CBFC76A-A606-42CF-BCDF-C73975C150B9}"/>
+                <a16:creationId xmlns="" xmlns:a16="http://schemas.microsoft.com/office/drawing/2014/main" id="{9CBFC76A-A606-42CF-BCDF-C73975C150B9}"/>
               </a:ext>
             </a:extLst>
           </p:cNvPr>
@@ -3052,7 +3081,7 @@
           <p:cNvPr id="2" name="Title 1">
             <a:extLst>
               <a:ext uri="{FF2B5EF4-FFF2-40B4-BE49-F238E27FC236}">
-                <a16:creationId xmlns:a16="http://schemas.microsoft.com/office/drawing/2014/main" xmlns="" id="{5C287DE2-E1A2-4F41-96FE-94AF4425CB03}"/>
+                <a16:creationId xmlns="" xmlns:a16="http://schemas.microsoft.com/office/drawing/2014/main" id="{5C287DE2-E1A2-4F41-96FE-94AF4425CB03}"/>
               </a:ext>
             </a:extLst>
           </p:cNvPr>
@@ -4117,7 +4146,7 @@
           <p:cNvPr id="2" name="Title 1">
             <a:extLst>
               <a:ext uri="{FF2B5EF4-FFF2-40B4-BE49-F238E27FC236}">
-                <a16:creationId xmlns:a16="http://schemas.microsoft.com/office/drawing/2014/main" xmlns="" id="{6EB309E1-B997-4458-AE28-FCADE36405DE}"/>
+                <a16:creationId xmlns="" xmlns:a16="http://schemas.microsoft.com/office/drawing/2014/main" id="{6EB309E1-B997-4458-AE28-FCADE36405DE}"/>
               </a:ext>
             </a:extLst>
           </p:cNvPr>
@@ -4160,7 +4189,7 @@
           <p:cNvPr id="3" name="Subtitle 2">
             <a:extLst>
               <a:ext uri="{FF2B5EF4-FFF2-40B4-BE49-F238E27FC236}">
-                <a16:creationId xmlns:a16="http://schemas.microsoft.com/office/drawing/2014/main" xmlns="" id="{6E3BDCF0-5416-4AF1-BF2C-3F3EE2810088}"/>
+                <a16:creationId xmlns="" xmlns:a16="http://schemas.microsoft.com/office/drawing/2014/main" id="{6E3BDCF0-5416-4AF1-BF2C-3F3EE2810088}"/>
               </a:ext>
             </a:extLst>
           </p:cNvPr>
@@ -4233,7 +4262,7 @@
           <p:cNvPr id="2" name="Title 1">
             <a:extLst>
               <a:ext uri="{FF2B5EF4-FFF2-40B4-BE49-F238E27FC236}">
-                <a16:creationId xmlns="" xmlns:a16="http://schemas.microsoft.com/office/drawing/2014/main" id="{9A11BC21-26CD-4961-B7A3-40E63E654BD6}"/>
+                <a16:creationId xmlns:a16="http://schemas.microsoft.com/office/drawing/2014/main" xmlns="" id="{9A11BC21-26CD-4961-B7A3-40E63E654BD6}"/>
               </a:ext>
             </a:extLst>
           </p:cNvPr>
@@ -4264,7 +4293,7 @@
               <p:cNvPr id="3" name="Content Placeholder 2">
                 <a:extLst>
                   <a:ext uri="{FF2B5EF4-FFF2-40B4-BE49-F238E27FC236}">
-                    <a16:creationId xmlns="" xmlns:a16="http://schemas.microsoft.com/office/drawing/2014/main" id="{C8C16B92-8E9D-44A2-95A0-0A2F0C21743B}"/>
+                    <a16:creationId xmlns:a16="http://schemas.microsoft.com/office/drawing/2014/main" xmlns="" id="{C8C16B92-8E9D-44A2-95A0-0A2F0C21743B}"/>
                   </a:ext>
                 </a:extLst>
               </p:cNvPr>
@@ -4563,7 +4592,7 @@
           <p:cNvPr id="2" name="Title 1">
             <a:extLst>
               <a:ext uri="{FF2B5EF4-FFF2-40B4-BE49-F238E27FC236}">
-                <a16:creationId xmlns="" xmlns:a16="http://schemas.microsoft.com/office/drawing/2014/main" id="{AEED53C0-0E21-4179-9350-5EF37AF3388C}"/>
+                <a16:creationId xmlns:a16="http://schemas.microsoft.com/office/drawing/2014/main" xmlns="" id="{AEED53C0-0E21-4179-9350-5EF37AF3388C}"/>
               </a:ext>
             </a:extLst>
           </p:cNvPr>
@@ -4592,7 +4621,7 @@
           <p:cNvPr id="3" name="Content Placeholder 2">
             <a:extLst>
               <a:ext uri="{FF2B5EF4-FFF2-40B4-BE49-F238E27FC236}">
-                <a16:creationId xmlns="" xmlns:a16="http://schemas.microsoft.com/office/drawing/2014/main" id="{EC8A9DF1-52E0-492F-8080-774F855DFC40}"/>
+                <a16:creationId xmlns:a16="http://schemas.microsoft.com/office/drawing/2014/main" xmlns="" id="{EC8A9DF1-52E0-492F-8080-774F855DFC40}"/>
               </a:ext>
             </a:extLst>
           </p:cNvPr>
@@ -4666,7 +4695,7 @@
           <p:cNvPr id="2" name="Title 1">
             <a:extLst>
               <a:ext uri="{FF2B5EF4-FFF2-40B4-BE49-F238E27FC236}">
-                <a16:creationId xmlns="" xmlns:a16="http://schemas.microsoft.com/office/drawing/2014/main" id="{0F1A4321-0F21-49B7-B25B-1BDFE1767D5E}"/>
+                <a16:creationId xmlns:a16="http://schemas.microsoft.com/office/drawing/2014/main" xmlns="" id="{0F1A4321-0F21-49B7-B25B-1BDFE1767D5E}"/>
               </a:ext>
             </a:extLst>
           </p:cNvPr>
@@ -4695,7 +4724,7 @@
           <p:cNvPr id="3" name="Content Placeholder 2">
             <a:extLst>
               <a:ext uri="{FF2B5EF4-FFF2-40B4-BE49-F238E27FC236}">
-                <a16:creationId xmlns="" xmlns:a16="http://schemas.microsoft.com/office/drawing/2014/main" id="{2B48DD85-A4C2-42CB-95A5-EDF04B203BC7}"/>
+                <a16:creationId xmlns:a16="http://schemas.microsoft.com/office/drawing/2014/main" xmlns="" id="{2B48DD85-A4C2-42CB-95A5-EDF04B203BC7}"/>
               </a:ext>
             </a:extLst>
           </p:cNvPr>
@@ -5095,7 +5124,7 @@
           <p:cNvPr id="2" name="Title 1">
             <a:extLst>
               <a:ext uri="{FF2B5EF4-FFF2-40B4-BE49-F238E27FC236}">
-                <a16:creationId xmlns="" xmlns:a16="http://schemas.microsoft.com/office/drawing/2014/main" id="{84002F04-5D80-4207-92E1-2D3E2C92213C}"/>
+                <a16:creationId xmlns:a16="http://schemas.microsoft.com/office/drawing/2014/main" xmlns="" id="{84002F04-5D80-4207-92E1-2D3E2C92213C}"/>
               </a:ext>
             </a:extLst>
           </p:cNvPr>
@@ -5124,7 +5153,7 @@
           <p:cNvPr id="3" name="Content Placeholder 2">
             <a:extLst>
               <a:ext uri="{FF2B5EF4-FFF2-40B4-BE49-F238E27FC236}">
-                <a16:creationId xmlns="" xmlns:a16="http://schemas.microsoft.com/office/drawing/2014/main" id="{7A7DE6E2-CC17-4EF9-BFD6-469F0741DC20}"/>
+                <a16:creationId xmlns:a16="http://schemas.microsoft.com/office/drawing/2014/main" xmlns="" id="{7A7DE6E2-CC17-4EF9-BFD6-469F0741DC20}"/>
               </a:ext>
             </a:extLst>
           </p:cNvPr>
@@ -5256,7 +5285,7 @@
           <p:cNvPr id="2" name="Title 1">
             <a:extLst>
               <a:ext uri="{FF2B5EF4-FFF2-40B4-BE49-F238E27FC236}">
-                <a16:creationId xmlns="" xmlns:a16="http://schemas.microsoft.com/office/drawing/2014/main" id="{3F0EB705-4F3F-4E82-B5A6-3FAC5A6B8C4F}"/>
+                <a16:creationId xmlns:a16="http://schemas.microsoft.com/office/drawing/2014/main" xmlns="" id="{3F0EB705-4F3F-4E82-B5A6-3FAC5A6B8C4F}"/>
               </a:ext>
             </a:extLst>
           </p:cNvPr>
@@ -5274,11 +5303,7 @@
           <a:p>
             <a:r>
               <a:rPr lang="en-US" dirty="0" smtClean="0"/>
-              <a:t>Transposition Cipher </a:t>
-            </a:r>
-            <a:r>
-              <a:rPr lang="en-US" dirty="0" smtClean="0"/>
-              <a:t>(cont.)</a:t>
+              <a:t>Transposition Cipher (cont.)</a:t>
             </a:r>
             <a:endParaRPr lang="en-US" dirty="0"/>
           </a:p>
@@ -5289,7 +5314,7 @@
           <p:cNvPr id="3" name="Content Placeholder 2">
             <a:extLst>
               <a:ext uri="{FF2B5EF4-FFF2-40B4-BE49-F238E27FC236}">
-                <a16:creationId xmlns="" xmlns:a16="http://schemas.microsoft.com/office/drawing/2014/main" id="{BE6719A3-FEB7-4FD8-ACEE-23C38C7BB711}"/>
+                <a16:creationId xmlns:a16="http://schemas.microsoft.com/office/drawing/2014/main" xmlns="" id="{BE6719A3-FEB7-4FD8-ACEE-23C38C7BB711}"/>
               </a:ext>
             </a:extLst>
           </p:cNvPr>
@@ -5433,7 +5458,7 @@
           <p:cNvPr id="6" name="Table 5" title="Plaintext table">
             <a:extLst>
               <a:ext uri="{FF2B5EF4-FFF2-40B4-BE49-F238E27FC236}">
-                <a16:creationId xmlns="" xmlns:a16="http://schemas.microsoft.com/office/drawing/2014/main" id="{E59772D2-706D-4640-AB85-3C4BBA4EB534}"/>
+                <a16:creationId xmlns:a16="http://schemas.microsoft.com/office/drawing/2014/main" xmlns="" id="{E59772D2-706D-4640-AB85-3C4BBA4EB534}"/>
               </a:ext>
             </a:extLst>
           </p:cNvPr>
@@ -5462,70 +5487,70 @@
                 <a:gridCol w="365345">
                   <a:extLst>
                     <a:ext uri="{9D8B030D-6E8A-4147-A177-3AD203B41FA5}">
-                      <a16:colId xmlns="" xmlns:a16="http://schemas.microsoft.com/office/drawing/2014/main" val="3637892095"/>
+                      <a16:colId xmlns:a16="http://schemas.microsoft.com/office/drawing/2014/main" xmlns="" val="3637892095"/>
                     </a:ext>
                   </a:extLst>
                 </a:gridCol>
                 <a:gridCol w="365345">
                   <a:extLst>
                     <a:ext uri="{9D8B030D-6E8A-4147-A177-3AD203B41FA5}">
-                      <a16:colId xmlns="" xmlns:a16="http://schemas.microsoft.com/office/drawing/2014/main" val="3490136778"/>
+                      <a16:colId xmlns:a16="http://schemas.microsoft.com/office/drawing/2014/main" xmlns="" val="3490136778"/>
                     </a:ext>
                   </a:extLst>
                 </a:gridCol>
                 <a:gridCol w="365345">
                   <a:extLst>
                     <a:ext uri="{9D8B030D-6E8A-4147-A177-3AD203B41FA5}">
-                      <a16:colId xmlns="" xmlns:a16="http://schemas.microsoft.com/office/drawing/2014/main" val="2049845943"/>
+                      <a16:colId xmlns:a16="http://schemas.microsoft.com/office/drawing/2014/main" xmlns="" val="2049845943"/>
                     </a:ext>
                   </a:extLst>
                 </a:gridCol>
                 <a:gridCol w="365345">
                   <a:extLst>
                     <a:ext uri="{9D8B030D-6E8A-4147-A177-3AD203B41FA5}">
-                      <a16:colId xmlns="" xmlns:a16="http://schemas.microsoft.com/office/drawing/2014/main" val="1636246869"/>
+                      <a16:colId xmlns:a16="http://schemas.microsoft.com/office/drawing/2014/main" xmlns="" val="1636246869"/>
                     </a:ext>
                   </a:extLst>
                 </a:gridCol>
                 <a:gridCol w="365345">
                   <a:extLst>
                     <a:ext uri="{9D8B030D-6E8A-4147-A177-3AD203B41FA5}">
-                      <a16:colId xmlns="" xmlns:a16="http://schemas.microsoft.com/office/drawing/2014/main" val="3963510027"/>
+                      <a16:colId xmlns:a16="http://schemas.microsoft.com/office/drawing/2014/main" xmlns="" val="3963510027"/>
                     </a:ext>
                   </a:extLst>
                 </a:gridCol>
                 <a:gridCol w="365345">
                   <a:extLst>
                     <a:ext uri="{9D8B030D-6E8A-4147-A177-3AD203B41FA5}">
-                      <a16:colId xmlns="" xmlns:a16="http://schemas.microsoft.com/office/drawing/2014/main" val="1063405023"/>
+                      <a16:colId xmlns:a16="http://schemas.microsoft.com/office/drawing/2014/main" xmlns="" val="1063405023"/>
                     </a:ext>
                   </a:extLst>
                 </a:gridCol>
                 <a:gridCol w="365345">
                   <a:extLst>
                     <a:ext uri="{9D8B030D-6E8A-4147-A177-3AD203B41FA5}">
-                      <a16:colId xmlns="" xmlns:a16="http://schemas.microsoft.com/office/drawing/2014/main" val="282131237"/>
+                      <a16:colId xmlns:a16="http://schemas.microsoft.com/office/drawing/2014/main" xmlns="" val="282131237"/>
                     </a:ext>
                   </a:extLst>
                 </a:gridCol>
                 <a:gridCol w="365345">
                   <a:extLst>
                     <a:ext uri="{9D8B030D-6E8A-4147-A177-3AD203B41FA5}">
-                      <a16:colId xmlns="" xmlns:a16="http://schemas.microsoft.com/office/drawing/2014/main" val="2448844444"/>
+                      <a16:colId xmlns:a16="http://schemas.microsoft.com/office/drawing/2014/main" xmlns="" val="2448844444"/>
                     </a:ext>
                   </a:extLst>
                 </a:gridCol>
                 <a:gridCol w="365345">
                   <a:extLst>
                     <a:ext uri="{9D8B030D-6E8A-4147-A177-3AD203B41FA5}">
-                      <a16:colId xmlns="" xmlns:a16="http://schemas.microsoft.com/office/drawing/2014/main" val="1604923736"/>
+                      <a16:colId xmlns:a16="http://schemas.microsoft.com/office/drawing/2014/main" xmlns="" val="1604923736"/>
                     </a:ext>
                   </a:extLst>
                 </a:gridCol>
                 <a:gridCol w="365345">
                   <a:extLst>
                     <a:ext uri="{9D8B030D-6E8A-4147-A177-3AD203B41FA5}">
-                      <a16:colId xmlns="" xmlns:a16="http://schemas.microsoft.com/office/drawing/2014/main" val="3140763612"/>
+                      <a16:colId xmlns:a16="http://schemas.microsoft.com/office/drawing/2014/main" xmlns="" val="3140763612"/>
                     </a:ext>
                   </a:extLst>
                 </a:gridCol>
@@ -5693,7 +5718,7 @@
                 </a:tc>
                 <a:extLst>
                   <a:ext uri="{0D108BD9-81ED-4DB2-BD59-A6C34878D82A}">
-                    <a16:rowId xmlns="" xmlns:a16="http://schemas.microsoft.com/office/drawing/2014/main" val="2995235944"/>
+                    <a16:rowId xmlns:a16="http://schemas.microsoft.com/office/drawing/2014/main" xmlns="" val="2995235944"/>
                   </a:ext>
                 </a:extLst>
               </a:tr>
@@ -5863,7 +5888,7 @@
                 </a:tc>
                 <a:extLst>
                   <a:ext uri="{0D108BD9-81ED-4DB2-BD59-A6C34878D82A}">
-                    <a16:rowId xmlns="" xmlns:a16="http://schemas.microsoft.com/office/drawing/2014/main" val="2146286947"/>
+                    <a16:rowId xmlns:a16="http://schemas.microsoft.com/office/drawing/2014/main" xmlns="" val="2146286947"/>
                   </a:ext>
                 </a:extLst>
               </a:tr>
@@ -6030,7 +6055,7 @@
                 </a:tc>
                 <a:extLst>
                   <a:ext uri="{0D108BD9-81ED-4DB2-BD59-A6C34878D82A}">
-                    <a16:rowId xmlns="" xmlns:a16="http://schemas.microsoft.com/office/drawing/2014/main" val="1037191930"/>
+                    <a16:rowId xmlns:a16="http://schemas.microsoft.com/office/drawing/2014/main" xmlns="" val="1037191930"/>
                   </a:ext>
                 </a:extLst>
               </a:tr>
@@ -6200,7 +6225,7 @@
                 </a:tc>
                 <a:extLst>
                   <a:ext uri="{0D108BD9-81ED-4DB2-BD59-A6C34878D82A}">
-                    <a16:rowId xmlns="" xmlns:a16="http://schemas.microsoft.com/office/drawing/2014/main" val="3624942504"/>
+                    <a16:rowId xmlns:a16="http://schemas.microsoft.com/office/drawing/2014/main" xmlns="" val="3624942504"/>
                   </a:ext>
                 </a:extLst>
               </a:tr>
@@ -6367,7 +6392,7 @@
                 </a:tc>
                 <a:extLst>
                   <a:ext uri="{0D108BD9-81ED-4DB2-BD59-A6C34878D82A}">
-                    <a16:rowId xmlns="" xmlns:a16="http://schemas.microsoft.com/office/drawing/2014/main" val="2656263583"/>
+                    <a16:rowId xmlns:a16="http://schemas.microsoft.com/office/drawing/2014/main" xmlns="" val="2656263583"/>
                   </a:ext>
                 </a:extLst>
               </a:tr>
@@ -6519,7 +6544,7 @@
                 </a:tc>
                 <a:extLst>
                   <a:ext uri="{0D108BD9-81ED-4DB2-BD59-A6C34878D82A}">
-                    <a16:rowId xmlns="" xmlns:a16="http://schemas.microsoft.com/office/drawing/2014/main" val="1275603011"/>
+                    <a16:rowId xmlns:a16="http://schemas.microsoft.com/office/drawing/2014/main" xmlns="" val="1275603011"/>
                   </a:ext>
                 </a:extLst>
               </a:tr>
@@ -6707,7 +6732,7 @@
           <p:cNvPr id="2" name="Title 1">
             <a:extLst>
               <a:ext uri="{FF2B5EF4-FFF2-40B4-BE49-F238E27FC236}">
-                <a16:creationId xmlns="" xmlns:a16="http://schemas.microsoft.com/office/drawing/2014/main" id="{4BD42DF3-CD18-4DE5-929C-FD96EBBA995D}"/>
+                <a16:creationId xmlns:a16="http://schemas.microsoft.com/office/drawing/2014/main" xmlns="" id="{4BD42DF3-CD18-4DE5-929C-FD96EBBA995D}"/>
               </a:ext>
             </a:extLst>
           </p:cNvPr>
@@ -6736,7 +6761,7 @@
           <p:cNvPr id="3" name="Content Placeholder 2">
             <a:extLst>
               <a:ext uri="{FF2B5EF4-FFF2-40B4-BE49-F238E27FC236}">
-                <a16:creationId xmlns="" xmlns:a16="http://schemas.microsoft.com/office/drawing/2014/main" id="{B1461FBD-989E-49D5-B457-C99C771AB133}"/>
+                <a16:creationId xmlns:a16="http://schemas.microsoft.com/office/drawing/2014/main" xmlns="" id="{B1461FBD-989E-49D5-B457-C99C771AB133}"/>
               </a:ext>
             </a:extLst>
           </p:cNvPr>
@@ -6848,7 +6873,7 @@
           <p:cNvPr id="2" name="Title 1">
             <a:extLst>
               <a:ext uri="{FF2B5EF4-FFF2-40B4-BE49-F238E27FC236}">
-                <a16:creationId xmlns="" xmlns:a16="http://schemas.microsoft.com/office/drawing/2014/main" id="{A1E3F212-82CD-4B56-AC78-1238D362DD8E}"/>
+                <a16:creationId xmlns:a16="http://schemas.microsoft.com/office/drawing/2014/main" xmlns="" id="{A1E3F212-82CD-4B56-AC78-1238D362DD8E}"/>
               </a:ext>
             </a:extLst>
           </p:cNvPr>
@@ -6879,7 +6904,7 @@
               <p:cNvPr id="3" name="Content Placeholder 2">
                 <a:extLst>
                   <a:ext uri="{FF2B5EF4-FFF2-40B4-BE49-F238E27FC236}">
-                    <a16:creationId xmlns="" xmlns:a16="http://schemas.microsoft.com/office/drawing/2014/main" id="{FCB6AC1B-4F46-4C49-8421-AA5588009ADE}"/>
+                    <a16:creationId xmlns:a16="http://schemas.microsoft.com/office/drawing/2014/main" xmlns="" id="{FCB6AC1B-4F46-4C49-8421-AA5588009ADE}"/>
                   </a:ext>
                 </a:extLst>
               </p:cNvPr>
@@ -7067,7 +7092,7 @@
           <p:cNvPr id="4" name="Content Placeholder 3" title="Letter to number table">
             <a:extLst>
               <a:ext uri="{FF2B5EF4-FFF2-40B4-BE49-F238E27FC236}">
-                <a16:creationId xmlns="" xmlns:a16="http://schemas.microsoft.com/office/drawing/2014/main" id="{245E1A86-DFBC-408A-B856-C44FDD930B17}"/>
+                <a16:creationId xmlns:a16="http://schemas.microsoft.com/office/drawing/2014/main" xmlns="" id="{245E1A86-DFBC-408A-B856-C44FDD930B17}"/>
               </a:ext>
             </a:extLst>
           </p:cNvPr>
@@ -7096,70 +7121,70 @@
                 <a:gridCol w="922964">
                   <a:extLst>
                     <a:ext uri="{9D8B030D-6E8A-4147-A177-3AD203B41FA5}">
-                      <a16:colId xmlns="" xmlns:a16="http://schemas.microsoft.com/office/drawing/2014/main" val="3636808494"/>
+                      <a16:colId xmlns:a16="http://schemas.microsoft.com/office/drawing/2014/main" xmlns="" val="3636808494"/>
                     </a:ext>
                   </a:extLst>
                 </a:gridCol>
                 <a:gridCol w="621531">
                   <a:extLst>
                     <a:ext uri="{9D8B030D-6E8A-4147-A177-3AD203B41FA5}">
-                      <a16:colId xmlns="" xmlns:a16="http://schemas.microsoft.com/office/drawing/2014/main" val="3462040187"/>
+                      <a16:colId xmlns:a16="http://schemas.microsoft.com/office/drawing/2014/main" xmlns="" val="3462040187"/>
                     </a:ext>
                   </a:extLst>
                 </a:gridCol>
                 <a:gridCol w="638516">
                   <a:extLst>
                     <a:ext uri="{9D8B030D-6E8A-4147-A177-3AD203B41FA5}">
-                      <a16:colId xmlns="" xmlns:a16="http://schemas.microsoft.com/office/drawing/2014/main" val="2288223094"/>
+                      <a16:colId xmlns:a16="http://schemas.microsoft.com/office/drawing/2014/main" xmlns="" val="2288223094"/>
                     </a:ext>
                   </a:extLst>
                 </a:gridCol>
                 <a:gridCol w="727670">
                   <a:extLst>
                     <a:ext uri="{9D8B030D-6E8A-4147-A177-3AD203B41FA5}">
-                      <a16:colId xmlns="" xmlns:a16="http://schemas.microsoft.com/office/drawing/2014/main" val="3852134344"/>
+                      <a16:colId xmlns:a16="http://schemas.microsoft.com/office/drawing/2014/main" xmlns="" val="3852134344"/>
                     </a:ext>
                   </a:extLst>
                 </a:gridCol>
                 <a:gridCol w="727670">
                   <a:extLst>
                     <a:ext uri="{9D8B030D-6E8A-4147-A177-3AD203B41FA5}">
-                      <a16:colId xmlns="" xmlns:a16="http://schemas.microsoft.com/office/drawing/2014/main" val="3891390626"/>
+                      <a16:colId xmlns:a16="http://schemas.microsoft.com/office/drawing/2014/main" xmlns="" val="3891390626"/>
                     </a:ext>
                   </a:extLst>
                 </a:gridCol>
                 <a:gridCol w="727670">
                   <a:extLst>
                     <a:ext uri="{9D8B030D-6E8A-4147-A177-3AD203B41FA5}">
-                      <a16:colId xmlns="" xmlns:a16="http://schemas.microsoft.com/office/drawing/2014/main" val="3538745628"/>
+                      <a16:colId xmlns:a16="http://schemas.microsoft.com/office/drawing/2014/main" xmlns="" val="3538745628"/>
                     </a:ext>
                   </a:extLst>
                 </a:gridCol>
                 <a:gridCol w="727670">
                   <a:extLst>
                     <a:ext uri="{9D8B030D-6E8A-4147-A177-3AD203B41FA5}">
-                      <a16:colId xmlns="" xmlns:a16="http://schemas.microsoft.com/office/drawing/2014/main" val="2896087975"/>
+                      <a16:colId xmlns:a16="http://schemas.microsoft.com/office/drawing/2014/main" xmlns="" val="2896087975"/>
                     </a:ext>
                   </a:extLst>
                 </a:gridCol>
                 <a:gridCol w="727670">
                   <a:extLst>
                     <a:ext uri="{9D8B030D-6E8A-4147-A177-3AD203B41FA5}">
-                      <a16:colId xmlns="" xmlns:a16="http://schemas.microsoft.com/office/drawing/2014/main" val="1472760441"/>
+                      <a16:colId xmlns:a16="http://schemas.microsoft.com/office/drawing/2014/main" xmlns="" val="1472760441"/>
                     </a:ext>
                   </a:extLst>
                 </a:gridCol>
                 <a:gridCol w="727670">
                   <a:extLst>
                     <a:ext uri="{9D8B030D-6E8A-4147-A177-3AD203B41FA5}">
-                      <a16:colId xmlns="" xmlns:a16="http://schemas.microsoft.com/office/drawing/2014/main" val="1372163404"/>
+                      <a16:colId xmlns:a16="http://schemas.microsoft.com/office/drawing/2014/main" xmlns="" val="1372163404"/>
                     </a:ext>
                   </a:extLst>
                 </a:gridCol>
                 <a:gridCol w="727670">
                   <a:extLst>
                     <a:ext uri="{9D8B030D-6E8A-4147-A177-3AD203B41FA5}">
-                      <a16:colId xmlns="" xmlns:a16="http://schemas.microsoft.com/office/drawing/2014/main" val="1111038328"/>
+                      <a16:colId xmlns:a16="http://schemas.microsoft.com/office/drawing/2014/main" xmlns="" val="1111038328"/>
                     </a:ext>
                   </a:extLst>
                 </a:gridCol>
@@ -7306,7 +7331,7 @@
                 </a:tc>
                 <a:extLst>
                   <a:ext uri="{0D108BD9-81ED-4DB2-BD59-A6C34878D82A}">
-                    <a16:rowId xmlns="" xmlns:a16="http://schemas.microsoft.com/office/drawing/2014/main" val="869857019"/>
+                    <a16:rowId xmlns:a16="http://schemas.microsoft.com/office/drawing/2014/main" xmlns="" val="869857019"/>
                   </a:ext>
                 </a:extLst>
               </a:tr>
@@ -7452,7 +7477,7 @@
                 </a:tc>
                 <a:extLst>
                   <a:ext uri="{0D108BD9-81ED-4DB2-BD59-A6C34878D82A}">
-                    <a16:rowId xmlns="" xmlns:a16="http://schemas.microsoft.com/office/drawing/2014/main" val="3318875305"/>
+                    <a16:rowId xmlns:a16="http://schemas.microsoft.com/office/drawing/2014/main" xmlns="" val="3318875305"/>
                   </a:ext>
                 </a:extLst>
               </a:tr>
@@ -7598,7 +7623,7 @@
                 </a:tc>
                 <a:extLst>
                   <a:ext uri="{0D108BD9-81ED-4DB2-BD59-A6C34878D82A}">
-                    <a16:rowId xmlns="" xmlns:a16="http://schemas.microsoft.com/office/drawing/2014/main" val="786886679"/>
+                    <a16:rowId xmlns:a16="http://schemas.microsoft.com/office/drawing/2014/main" xmlns="" val="786886679"/>
                   </a:ext>
                 </a:extLst>
               </a:tr>
@@ -7744,7 +7769,7 @@
                 </a:tc>
                 <a:extLst>
                   <a:ext uri="{0D108BD9-81ED-4DB2-BD59-A6C34878D82A}">
-                    <a16:rowId xmlns="" xmlns:a16="http://schemas.microsoft.com/office/drawing/2014/main" val="2393004046"/>
+                    <a16:rowId xmlns:a16="http://schemas.microsoft.com/office/drawing/2014/main" xmlns="" val="2393004046"/>
                   </a:ext>
                 </a:extLst>
               </a:tr>
@@ -7887,7 +7912,7 @@
                 </a:tc>
                 <a:extLst>
                   <a:ext uri="{0D108BD9-81ED-4DB2-BD59-A6C34878D82A}">
-                    <a16:rowId xmlns="" xmlns:a16="http://schemas.microsoft.com/office/drawing/2014/main" val="1701180944"/>
+                    <a16:rowId xmlns:a16="http://schemas.microsoft.com/office/drawing/2014/main" xmlns="" val="1701180944"/>
                   </a:ext>
                 </a:extLst>
               </a:tr>
@@ -8030,7 +8055,7 @@
                 </a:tc>
                 <a:extLst>
                   <a:ext uri="{0D108BD9-81ED-4DB2-BD59-A6C34878D82A}">
-                    <a16:rowId xmlns="" xmlns:a16="http://schemas.microsoft.com/office/drawing/2014/main" val="115185348"/>
+                    <a16:rowId xmlns:a16="http://schemas.microsoft.com/office/drawing/2014/main" xmlns="" val="115185348"/>
                   </a:ext>
                 </a:extLst>
               </a:tr>
@@ -8073,7 +8098,7 @@
           <p:cNvPr id="2" name="Title 1">
             <a:extLst>
               <a:ext uri="{FF2B5EF4-FFF2-40B4-BE49-F238E27FC236}">
-                <a16:creationId xmlns="" xmlns:a16="http://schemas.microsoft.com/office/drawing/2014/main" id="{5638133F-7762-4811-87CB-51009CB364FE}"/>
+                <a16:creationId xmlns:a16="http://schemas.microsoft.com/office/drawing/2014/main" xmlns="" id="{5638133F-7762-4811-87CB-51009CB364FE}"/>
               </a:ext>
             </a:extLst>
           </p:cNvPr>
@@ -8102,7 +8127,7 @@
           <p:cNvPr id="3" name="Content Placeholder 2">
             <a:extLst>
               <a:ext uri="{FF2B5EF4-FFF2-40B4-BE49-F238E27FC236}">
-                <a16:creationId xmlns="" xmlns:a16="http://schemas.microsoft.com/office/drawing/2014/main" id="{5210CB14-CD1E-4849-B51E-338A8EC8222E}"/>
+                <a16:creationId xmlns:a16="http://schemas.microsoft.com/office/drawing/2014/main" xmlns="" id="{5210CB14-CD1E-4849-B51E-338A8EC8222E}"/>
               </a:ext>
             </a:extLst>
           </p:cNvPr>
@@ -8146,7 +8171,7 @@
           <p:cNvPr id="4" name="Content Placeholder 3" title="Letter to number table">
             <a:extLst>
               <a:ext uri="{FF2B5EF4-FFF2-40B4-BE49-F238E27FC236}">
-                <a16:creationId xmlns="" xmlns:a16="http://schemas.microsoft.com/office/drawing/2014/main" id="{245E1A86-DFBC-408A-B856-C44FDD930B17}"/>
+                <a16:creationId xmlns:a16="http://schemas.microsoft.com/office/drawing/2014/main" xmlns="" id="{245E1A86-DFBC-408A-B856-C44FDD930B17}"/>
               </a:ext>
             </a:extLst>
           </p:cNvPr>
@@ -8175,70 +8200,70 @@
                 <a:gridCol w="817064">
                   <a:extLst>
                     <a:ext uri="{9D8B030D-6E8A-4147-A177-3AD203B41FA5}">
-                      <a16:colId xmlns="" xmlns:a16="http://schemas.microsoft.com/office/drawing/2014/main" val="3636808494"/>
+                      <a16:colId xmlns:a16="http://schemas.microsoft.com/office/drawing/2014/main" xmlns="" val="3636808494"/>
                     </a:ext>
                   </a:extLst>
                 </a:gridCol>
                 <a:gridCol w="587716">
                   <a:extLst>
                     <a:ext uri="{9D8B030D-6E8A-4147-A177-3AD203B41FA5}">
-                      <a16:colId xmlns="" xmlns:a16="http://schemas.microsoft.com/office/drawing/2014/main" val="3462040187"/>
+                      <a16:colId xmlns:a16="http://schemas.microsoft.com/office/drawing/2014/main" xmlns="" val="3462040187"/>
                     </a:ext>
                   </a:extLst>
                 </a:gridCol>
                 <a:gridCol w="702390">
                   <a:extLst>
                     <a:ext uri="{9D8B030D-6E8A-4147-A177-3AD203B41FA5}">
-                      <a16:colId xmlns="" xmlns:a16="http://schemas.microsoft.com/office/drawing/2014/main" val="2288223094"/>
+                      <a16:colId xmlns:a16="http://schemas.microsoft.com/office/drawing/2014/main" xmlns="" val="2288223094"/>
                     </a:ext>
                   </a:extLst>
                 </a:gridCol>
                 <a:gridCol w="702390">
                   <a:extLst>
                     <a:ext uri="{9D8B030D-6E8A-4147-A177-3AD203B41FA5}">
-                      <a16:colId xmlns="" xmlns:a16="http://schemas.microsoft.com/office/drawing/2014/main" val="3852134344"/>
+                      <a16:colId xmlns:a16="http://schemas.microsoft.com/office/drawing/2014/main" xmlns="" val="3852134344"/>
                     </a:ext>
                   </a:extLst>
                 </a:gridCol>
                 <a:gridCol w="702390">
                   <a:extLst>
                     <a:ext uri="{9D8B030D-6E8A-4147-A177-3AD203B41FA5}">
-                      <a16:colId xmlns="" xmlns:a16="http://schemas.microsoft.com/office/drawing/2014/main" val="3891390626"/>
+                      <a16:colId xmlns:a16="http://schemas.microsoft.com/office/drawing/2014/main" xmlns="" val="3891390626"/>
                     </a:ext>
                   </a:extLst>
                 </a:gridCol>
                 <a:gridCol w="702390">
                   <a:extLst>
                     <a:ext uri="{9D8B030D-6E8A-4147-A177-3AD203B41FA5}">
-                      <a16:colId xmlns="" xmlns:a16="http://schemas.microsoft.com/office/drawing/2014/main" val="3538745628"/>
+                      <a16:colId xmlns:a16="http://schemas.microsoft.com/office/drawing/2014/main" xmlns="" val="3538745628"/>
                     </a:ext>
                   </a:extLst>
                 </a:gridCol>
                 <a:gridCol w="702390">
                   <a:extLst>
                     <a:ext uri="{9D8B030D-6E8A-4147-A177-3AD203B41FA5}">
-                      <a16:colId xmlns="" xmlns:a16="http://schemas.microsoft.com/office/drawing/2014/main" val="2896087975"/>
+                      <a16:colId xmlns:a16="http://schemas.microsoft.com/office/drawing/2014/main" xmlns="" val="2896087975"/>
                     </a:ext>
                   </a:extLst>
                 </a:gridCol>
                 <a:gridCol w="702390">
                   <a:extLst>
                     <a:ext uri="{9D8B030D-6E8A-4147-A177-3AD203B41FA5}">
-                      <a16:colId xmlns="" xmlns:a16="http://schemas.microsoft.com/office/drawing/2014/main" val="1472760441"/>
+                      <a16:colId xmlns:a16="http://schemas.microsoft.com/office/drawing/2014/main" xmlns="" val="1472760441"/>
                     </a:ext>
                   </a:extLst>
                 </a:gridCol>
                 <a:gridCol w="702390">
                   <a:extLst>
                     <a:ext uri="{9D8B030D-6E8A-4147-A177-3AD203B41FA5}">
-                      <a16:colId xmlns="" xmlns:a16="http://schemas.microsoft.com/office/drawing/2014/main" val="1372163404"/>
+                      <a16:colId xmlns:a16="http://schemas.microsoft.com/office/drawing/2014/main" xmlns="" val="1372163404"/>
                     </a:ext>
                   </a:extLst>
                 </a:gridCol>
                 <a:gridCol w="702390">
                   <a:extLst>
                     <a:ext uri="{9D8B030D-6E8A-4147-A177-3AD203B41FA5}">
-                      <a16:colId xmlns="" xmlns:a16="http://schemas.microsoft.com/office/drawing/2014/main" val="1111038328"/>
+                      <a16:colId xmlns:a16="http://schemas.microsoft.com/office/drawing/2014/main" xmlns="" val="1111038328"/>
                     </a:ext>
                   </a:extLst>
                 </a:gridCol>
@@ -8385,7 +8410,7 @@
                 </a:tc>
                 <a:extLst>
                   <a:ext uri="{0D108BD9-81ED-4DB2-BD59-A6C34878D82A}">
-                    <a16:rowId xmlns="" xmlns:a16="http://schemas.microsoft.com/office/drawing/2014/main" val="869857019"/>
+                    <a16:rowId xmlns:a16="http://schemas.microsoft.com/office/drawing/2014/main" xmlns="" val="869857019"/>
                   </a:ext>
                 </a:extLst>
               </a:tr>
@@ -8531,7 +8556,7 @@
                 </a:tc>
                 <a:extLst>
                   <a:ext uri="{0D108BD9-81ED-4DB2-BD59-A6C34878D82A}">
-                    <a16:rowId xmlns="" xmlns:a16="http://schemas.microsoft.com/office/drawing/2014/main" val="3318875305"/>
+                    <a16:rowId xmlns:a16="http://schemas.microsoft.com/office/drawing/2014/main" xmlns="" val="3318875305"/>
                   </a:ext>
                 </a:extLst>
               </a:tr>
@@ -8677,7 +8702,7 @@
                 </a:tc>
                 <a:extLst>
                   <a:ext uri="{0D108BD9-81ED-4DB2-BD59-A6C34878D82A}">
-                    <a16:rowId xmlns="" xmlns:a16="http://schemas.microsoft.com/office/drawing/2014/main" val="786886679"/>
+                    <a16:rowId xmlns:a16="http://schemas.microsoft.com/office/drawing/2014/main" xmlns="" val="786886679"/>
                   </a:ext>
                 </a:extLst>
               </a:tr>
@@ -8823,7 +8848,7 @@
                 </a:tc>
                 <a:extLst>
                   <a:ext uri="{0D108BD9-81ED-4DB2-BD59-A6C34878D82A}">
-                    <a16:rowId xmlns="" xmlns:a16="http://schemas.microsoft.com/office/drawing/2014/main" val="2393004046"/>
+                    <a16:rowId xmlns:a16="http://schemas.microsoft.com/office/drawing/2014/main" xmlns="" val="2393004046"/>
                   </a:ext>
                 </a:extLst>
               </a:tr>
@@ -8966,7 +8991,7 @@
                 </a:tc>
                 <a:extLst>
                   <a:ext uri="{0D108BD9-81ED-4DB2-BD59-A6C34878D82A}">
-                    <a16:rowId xmlns="" xmlns:a16="http://schemas.microsoft.com/office/drawing/2014/main" val="1701180944"/>
+                    <a16:rowId xmlns:a16="http://schemas.microsoft.com/office/drawing/2014/main" xmlns="" val="1701180944"/>
                   </a:ext>
                 </a:extLst>
               </a:tr>
@@ -9109,7 +9134,7 @@
                 </a:tc>
                 <a:extLst>
                   <a:ext uri="{0D108BD9-81ED-4DB2-BD59-A6C34878D82A}">
-                    <a16:rowId xmlns="" xmlns:a16="http://schemas.microsoft.com/office/drawing/2014/main" val="115185348"/>
+                    <a16:rowId xmlns:a16="http://schemas.microsoft.com/office/drawing/2014/main" xmlns="" val="115185348"/>
                   </a:ext>
                 </a:extLst>
               </a:tr>
@@ -9301,7 +9326,7 @@
           <p:cNvPr id="2" name="Title 1">
             <a:extLst>
               <a:ext uri="{FF2B5EF4-FFF2-40B4-BE49-F238E27FC236}">
-                <a16:creationId xmlns="" xmlns:a16="http://schemas.microsoft.com/office/drawing/2014/main" id="{02CCA0EE-4C53-4879-905A-523D038462D1}"/>
+                <a16:creationId xmlns:a16="http://schemas.microsoft.com/office/drawing/2014/main" xmlns="" id="{02CCA0EE-4C53-4879-905A-523D038462D1}"/>
               </a:ext>
             </a:extLst>
           </p:cNvPr>
@@ -9330,7 +9355,7 @@
           <p:cNvPr id="3" name="Content Placeholder 2">
             <a:extLst>
               <a:ext uri="{FF2B5EF4-FFF2-40B4-BE49-F238E27FC236}">
-                <a16:creationId xmlns="" xmlns:a16="http://schemas.microsoft.com/office/drawing/2014/main" id="{F79FE625-8937-41B0-B2B4-4E55F7A91098}"/>
+                <a16:creationId xmlns:a16="http://schemas.microsoft.com/office/drawing/2014/main" xmlns="" id="{F79FE625-8937-41B0-B2B4-4E55F7A91098}"/>
               </a:ext>
             </a:extLst>
           </p:cNvPr>
@@ -9770,7 +9795,7 @@
           <p:cNvPr id="4" name="Content Placeholder 3" title="letter to number table">
             <a:extLst>
               <a:ext uri="{FF2B5EF4-FFF2-40B4-BE49-F238E27FC236}">
-                <a16:creationId xmlns="" xmlns:a16="http://schemas.microsoft.com/office/drawing/2014/main" id="{245E1A86-DFBC-408A-B856-C44FDD930B17}"/>
+                <a16:creationId xmlns:a16="http://schemas.microsoft.com/office/drawing/2014/main" xmlns="" id="{245E1A86-DFBC-408A-B856-C44FDD930B17}"/>
               </a:ext>
             </a:extLst>
           </p:cNvPr>
@@ -9799,63 +9824,63 @@
                 <a:gridCol w="496056">
                   <a:extLst>
                     <a:ext uri="{9D8B030D-6E8A-4147-A177-3AD203B41FA5}">
-                      <a16:colId xmlns="" xmlns:a16="http://schemas.microsoft.com/office/drawing/2014/main" val="3462040187"/>
+                      <a16:colId xmlns:a16="http://schemas.microsoft.com/office/drawing/2014/main" xmlns="" val="3462040187"/>
                     </a:ext>
                   </a:extLst>
                 </a:gridCol>
                 <a:gridCol w="496056">
                   <a:extLst>
                     <a:ext uri="{9D8B030D-6E8A-4147-A177-3AD203B41FA5}">
-                      <a16:colId xmlns="" xmlns:a16="http://schemas.microsoft.com/office/drawing/2014/main" val="2288223094"/>
+                      <a16:colId xmlns:a16="http://schemas.microsoft.com/office/drawing/2014/main" xmlns="" val="2288223094"/>
                     </a:ext>
                   </a:extLst>
                 </a:gridCol>
                 <a:gridCol w="496056">
                   <a:extLst>
                     <a:ext uri="{9D8B030D-6E8A-4147-A177-3AD203B41FA5}">
-                      <a16:colId xmlns="" xmlns:a16="http://schemas.microsoft.com/office/drawing/2014/main" val="3852134344"/>
+                      <a16:colId xmlns:a16="http://schemas.microsoft.com/office/drawing/2014/main" xmlns="" val="3852134344"/>
                     </a:ext>
                   </a:extLst>
                 </a:gridCol>
                 <a:gridCol w="496056">
                   <a:extLst>
                     <a:ext uri="{9D8B030D-6E8A-4147-A177-3AD203B41FA5}">
-                      <a16:colId xmlns="" xmlns:a16="http://schemas.microsoft.com/office/drawing/2014/main" val="3891390626"/>
+                      <a16:colId xmlns:a16="http://schemas.microsoft.com/office/drawing/2014/main" xmlns="" val="3891390626"/>
                     </a:ext>
                   </a:extLst>
                 </a:gridCol>
                 <a:gridCol w="496056">
                   <a:extLst>
                     <a:ext uri="{9D8B030D-6E8A-4147-A177-3AD203B41FA5}">
-                      <a16:colId xmlns="" xmlns:a16="http://schemas.microsoft.com/office/drawing/2014/main" val="3538745628"/>
+                      <a16:colId xmlns:a16="http://schemas.microsoft.com/office/drawing/2014/main" xmlns="" val="3538745628"/>
                     </a:ext>
                   </a:extLst>
                 </a:gridCol>
                 <a:gridCol w="496056">
                   <a:extLst>
                     <a:ext uri="{9D8B030D-6E8A-4147-A177-3AD203B41FA5}">
-                      <a16:colId xmlns="" xmlns:a16="http://schemas.microsoft.com/office/drawing/2014/main" val="2896087975"/>
+                      <a16:colId xmlns:a16="http://schemas.microsoft.com/office/drawing/2014/main" xmlns="" val="2896087975"/>
                     </a:ext>
                   </a:extLst>
                 </a:gridCol>
                 <a:gridCol w="496056">
                   <a:extLst>
                     <a:ext uri="{9D8B030D-6E8A-4147-A177-3AD203B41FA5}">
-                      <a16:colId xmlns="" xmlns:a16="http://schemas.microsoft.com/office/drawing/2014/main" val="1472760441"/>
+                      <a16:colId xmlns:a16="http://schemas.microsoft.com/office/drawing/2014/main" xmlns="" val="1472760441"/>
                     </a:ext>
                   </a:extLst>
                 </a:gridCol>
                 <a:gridCol w="496056">
                   <a:extLst>
                     <a:ext uri="{9D8B030D-6E8A-4147-A177-3AD203B41FA5}">
-                      <a16:colId xmlns="" xmlns:a16="http://schemas.microsoft.com/office/drawing/2014/main" val="1372163404"/>
+                      <a16:colId xmlns:a16="http://schemas.microsoft.com/office/drawing/2014/main" xmlns="" val="1372163404"/>
                     </a:ext>
                   </a:extLst>
                 </a:gridCol>
                 <a:gridCol w="496056">
                   <a:extLst>
                     <a:ext uri="{9D8B030D-6E8A-4147-A177-3AD203B41FA5}">
-                      <a16:colId xmlns="" xmlns:a16="http://schemas.microsoft.com/office/drawing/2014/main" val="1111038328"/>
+                      <a16:colId xmlns:a16="http://schemas.microsoft.com/office/drawing/2014/main" xmlns="" val="1111038328"/>
                     </a:ext>
                   </a:extLst>
                 </a:gridCol>
@@ -9989,7 +10014,7 @@
                 </a:tc>
                 <a:extLst>
                   <a:ext uri="{0D108BD9-81ED-4DB2-BD59-A6C34878D82A}">
-                    <a16:rowId xmlns="" xmlns:a16="http://schemas.microsoft.com/office/drawing/2014/main" val="869857019"/>
+                    <a16:rowId xmlns:a16="http://schemas.microsoft.com/office/drawing/2014/main" xmlns="" val="869857019"/>
                   </a:ext>
                 </a:extLst>
               </a:tr>
@@ -10122,7 +10147,7 @@
                 </a:tc>
                 <a:extLst>
                   <a:ext uri="{0D108BD9-81ED-4DB2-BD59-A6C34878D82A}">
-                    <a16:rowId xmlns="" xmlns:a16="http://schemas.microsoft.com/office/drawing/2014/main" val="3318875305"/>
+                    <a16:rowId xmlns:a16="http://schemas.microsoft.com/office/drawing/2014/main" xmlns="" val="3318875305"/>
                   </a:ext>
                 </a:extLst>
               </a:tr>
@@ -10255,7 +10280,7 @@
                 </a:tc>
                 <a:extLst>
                   <a:ext uri="{0D108BD9-81ED-4DB2-BD59-A6C34878D82A}">
-                    <a16:rowId xmlns="" xmlns:a16="http://schemas.microsoft.com/office/drawing/2014/main" val="786886679"/>
+                    <a16:rowId xmlns:a16="http://schemas.microsoft.com/office/drawing/2014/main" xmlns="" val="786886679"/>
                   </a:ext>
                 </a:extLst>
               </a:tr>
@@ -10388,7 +10413,7 @@
                 </a:tc>
                 <a:extLst>
                   <a:ext uri="{0D108BD9-81ED-4DB2-BD59-A6C34878D82A}">
-                    <a16:rowId xmlns="" xmlns:a16="http://schemas.microsoft.com/office/drawing/2014/main" val="2393004046"/>
+                    <a16:rowId xmlns:a16="http://schemas.microsoft.com/office/drawing/2014/main" xmlns="" val="2393004046"/>
                   </a:ext>
                 </a:extLst>
               </a:tr>
@@ -10518,7 +10543,7 @@
                 </a:tc>
                 <a:extLst>
                   <a:ext uri="{0D108BD9-81ED-4DB2-BD59-A6C34878D82A}">
-                    <a16:rowId xmlns="" xmlns:a16="http://schemas.microsoft.com/office/drawing/2014/main" val="1701180944"/>
+                    <a16:rowId xmlns:a16="http://schemas.microsoft.com/office/drawing/2014/main" xmlns="" val="1701180944"/>
                   </a:ext>
                 </a:extLst>
               </a:tr>
@@ -10648,7 +10673,7 @@
                 </a:tc>
                 <a:extLst>
                   <a:ext uri="{0D108BD9-81ED-4DB2-BD59-A6C34878D82A}">
-                    <a16:rowId xmlns="" xmlns:a16="http://schemas.microsoft.com/office/drawing/2014/main" val="115185348"/>
+                    <a16:rowId xmlns:a16="http://schemas.microsoft.com/office/drawing/2014/main" xmlns="" val="115185348"/>
                   </a:ext>
                 </a:extLst>
               </a:tr>
@@ -10750,7 +10775,7 @@
           <p:cNvPr id="7" name="Content Placeholder 3" title="letter to number table">
             <a:extLst>
               <a:ext uri="{FF2B5EF4-FFF2-40B4-BE49-F238E27FC236}">
-                <a16:creationId xmlns="" xmlns:a16="http://schemas.microsoft.com/office/drawing/2014/main" id="{245E1A86-DFBC-408A-B856-C44FDD930B17}"/>
+                <a16:creationId xmlns:a16="http://schemas.microsoft.com/office/drawing/2014/main" xmlns="" id="{245E1A86-DFBC-408A-B856-C44FDD930B17}"/>
               </a:ext>
             </a:extLst>
           </p:cNvPr>
@@ -10779,63 +10804,63 @@
                 <a:gridCol w="496056">
                   <a:extLst>
                     <a:ext uri="{9D8B030D-6E8A-4147-A177-3AD203B41FA5}">
-                      <a16:colId xmlns="" xmlns:a16="http://schemas.microsoft.com/office/drawing/2014/main" val="3462040187"/>
+                      <a16:colId xmlns:a16="http://schemas.microsoft.com/office/drawing/2014/main" xmlns="" val="3462040187"/>
                     </a:ext>
                   </a:extLst>
                 </a:gridCol>
                 <a:gridCol w="496056">
                   <a:extLst>
                     <a:ext uri="{9D8B030D-6E8A-4147-A177-3AD203B41FA5}">
-                      <a16:colId xmlns="" xmlns:a16="http://schemas.microsoft.com/office/drawing/2014/main" val="2288223094"/>
+                      <a16:colId xmlns:a16="http://schemas.microsoft.com/office/drawing/2014/main" xmlns="" val="2288223094"/>
                     </a:ext>
                   </a:extLst>
                 </a:gridCol>
                 <a:gridCol w="496056">
                   <a:extLst>
                     <a:ext uri="{9D8B030D-6E8A-4147-A177-3AD203B41FA5}">
-                      <a16:colId xmlns="" xmlns:a16="http://schemas.microsoft.com/office/drawing/2014/main" val="3852134344"/>
+                      <a16:colId xmlns:a16="http://schemas.microsoft.com/office/drawing/2014/main" xmlns="" val="3852134344"/>
                     </a:ext>
                   </a:extLst>
                 </a:gridCol>
                 <a:gridCol w="496056">
                   <a:extLst>
                     <a:ext uri="{9D8B030D-6E8A-4147-A177-3AD203B41FA5}">
-                      <a16:colId xmlns="" xmlns:a16="http://schemas.microsoft.com/office/drawing/2014/main" val="3891390626"/>
+                      <a16:colId xmlns:a16="http://schemas.microsoft.com/office/drawing/2014/main" xmlns="" val="3891390626"/>
                     </a:ext>
                   </a:extLst>
                 </a:gridCol>
                 <a:gridCol w="496056">
                   <a:extLst>
                     <a:ext uri="{9D8B030D-6E8A-4147-A177-3AD203B41FA5}">
-                      <a16:colId xmlns="" xmlns:a16="http://schemas.microsoft.com/office/drawing/2014/main" val="3538745628"/>
+                      <a16:colId xmlns:a16="http://schemas.microsoft.com/office/drawing/2014/main" xmlns="" val="3538745628"/>
                     </a:ext>
                   </a:extLst>
                 </a:gridCol>
                 <a:gridCol w="496056">
                   <a:extLst>
                     <a:ext uri="{9D8B030D-6E8A-4147-A177-3AD203B41FA5}">
-                      <a16:colId xmlns="" xmlns:a16="http://schemas.microsoft.com/office/drawing/2014/main" val="2896087975"/>
+                      <a16:colId xmlns:a16="http://schemas.microsoft.com/office/drawing/2014/main" xmlns="" val="2896087975"/>
                     </a:ext>
                   </a:extLst>
                 </a:gridCol>
                 <a:gridCol w="496056">
                   <a:extLst>
                     <a:ext uri="{9D8B030D-6E8A-4147-A177-3AD203B41FA5}">
-                      <a16:colId xmlns="" xmlns:a16="http://schemas.microsoft.com/office/drawing/2014/main" val="1472760441"/>
+                      <a16:colId xmlns:a16="http://schemas.microsoft.com/office/drawing/2014/main" xmlns="" val="1472760441"/>
                     </a:ext>
                   </a:extLst>
                 </a:gridCol>
                 <a:gridCol w="496056">
                   <a:extLst>
                     <a:ext uri="{9D8B030D-6E8A-4147-A177-3AD203B41FA5}">
-                      <a16:colId xmlns="" xmlns:a16="http://schemas.microsoft.com/office/drawing/2014/main" val="1372163404"/>
+                      <a16:colId xmlns:a16="http://schemas.microsoft.com/office/drawing/2014/main" xmlns="" val="1372163404"/>
                     </a:ext>
                   </a:extLst>
                 </a:gridCol>
                 <a:gridCol w="496056">
                   <a:extLst>
                     <a:ext uri="{9D8B030D-6E8A-4147-A177-3AD203B41FA5}">
-                      <a16:colId xmlns="" xmlns:a16="http://schemas.microsoft.com/office/drawing/2014/main" val="1111038328"/>
+                      <a16:colId xmlns:a16="http://schemas.microsoft.com/office/drawing/2014/main" xmlns="" val="1111038328"/>
                     </a:ext>
                   </a:extLst>
                 </a:gridCol>
@@ -10969,7 +10994,7 @@
                 </a:tc>
                 <a:extLst>
                   <a:ext uri="{0D108BD9-81ED-4DB2-BD59-A6C34878D82A}">
-                    <a16:rowId xmlns="" xmlns:a16="http://schemas.microsoft.com/office/drawing/2014/main" val="869857019"/>
+                    <a16:rowId xmlns:a16="http://schemas.microsoft.com/office/drawing/2014/main" xmlns="" val="869857019"/>
                   </a:ext>
                 </a:extLst>
               </a:tr>
@@ -11102,7 +11127,7 @@
                 </a:tc>
                 <a:extLst>
                   <a:ext uri="{0D108BD9-81ED-4DB2-BD59-A6C34878D82A}">
-                    <a16:rowId xmlns="" xmlns:a16="http://schemas.microsoft.com/office/drawing/2014/main" val="3318875305"/>
+                    <a16:rowId xmlns:a16="http://schemas.microsoft.com/office/drawing/2014/main" xmlns="" val="3318875305"/>
                   </a:ext>
                 </a:extLst>
               </a:tr>
@@ -11235,7 +11260,7 @@
                 </a:tc>
                 <a:extLst>
                   <a:ext uri="{0D108BD9-81ED-4DB2-BD59-A6C34878D82A}">
-                    <a16:rowId xmlns="" xmlns:a16="http://schemas.microsoft.com/office/drawing/2014/main" val="786886679"/>
+                    <a16:rowId xmlns:a16="http://schemas.microsoft.com/office/drawing/2014/main" xmlns="" val="786886679"/>
                   </a:ext>
                 </a:extLst>
               </a:tr>
@@ -11368,7 +11393,7 @@
                 </a:tc>
                 <a:extLst>
                   <a:ext uri="{0D108BD9-81ED-4DB2-BD59-A6C34878D82A}">
-                    <a16:rowId xmlns="" xmlns:a16="http://schemas.microsoft.com/office/drawing/2014/main" val="2393004046"/>
+                    <a16:rowId xmlns:a16="http://schemas.microsoft.com/office/drawing/2014/main" xmlns="" val="2393004046"/>
                   </a:ext>
                 </a:extLst>
               </a:tr>
@@ -11498,7 +11523,7 @@
                 </a:tc>
                 <a:extLst>
                   <a:ext uri="{0D108BD9-81ED-4DB2-BD59-A6C34878D82A}">
-                    <a16:rowId xmlns="" xmlns:a16="http://schemas.microsoft.com/office/drawing/2014/main" val="1701180944"/>
+                    <a16:rowId xmlns:a16="http://schemas.microsoft.com/office/drawing/2014/main" xmlns="" val="1701180944"/>
                   </a:ext>
                 </a:extLst>
               </a:tr>
@@ -11628,7 +11653,7 @@
                 </a:tc>
                 <a:extLst>
                   <a:ext uri="{0D108BD9-81ED-4DB2-BD59-A6C34878D82A}">
-                    <a16:rowId xmlns="" xmlns:a16="http://schemas.microsoft.com/office/drawing/2014/main" val="115185348"/>
+                    <a16:rowId xmlns:a16="http://schemas.microsoft.com/office/drawing/2014/main" xmlns="" val="115185348"/>
                   </a:ext>
                 </a:extLst>
               </a:tr>
@@ -11757,7 +11782,7 @@
           <p:cNvPr id="7" name="Content Placeholder 3" title="letter to number table">
             <a:extLst>
               <a:ext uri="{FF2B5EF4-FFF2-40B4-BE49-F238E27FC236}">
-                <a16:creationId xmlns="" xmlns:a16="http://schemas.microsoft.com/office/drawing/2014/main" id="{245E1A86-DFBC-408A-B856-C44FDD930B17}"/>
+                <a16:creationId xmlns:a16="http://schemas.microsoft.com/office/drawing/2014/main" xmlns="" id="{245E1A86-DFBC-408A-B856-C44FDD930B17}"/>
               </a:ext>
             </a:extLst>
           </p:cNvPr>
@@ -11786,63 +11811,63 @@
                 <a:gridCol w="496056">
                   <a:extLst>
                     <a:ext uri="{9D8B030D-6E8A-4147-A177-3AD203B41FA5}">
-                      <a16:colId xmlns="" xmlns:a16="http://schemas.microsoft.com/office/drawing/2014/main" val="3462040187"/>
+                      <a16:colId xmlns:a16="http://schemas.microsoft.com/office/drawing/2014/main" xmlns="" val="3462040187"/>
                     </a:ext>
                   </a:extLst>
                 </a:gridCol>
                 <a:gridCol w="496056">
                   <a:extLst>
                     <a:ext uri="{9D8B030D-6E8A-4147-A177-3AD203B41FA5}">
-                      <a16:colId xmlns="" xmlns:a16="http://schemas.microsoft.com/office/drawing/2014/main" val="2288223094"/>
+                      <a16:colId xmlns:a16="http://schemas.microsoft.com/office/drawing/2014/main" xmlns="" val="2288223094"/>
                     </a:ext>
                   </a:extLst>
                 </a:gridCol>
                 <a:gridCol w="496056">
                   <a:extLst>
                     <a:ext uri="{9D8B030D-6E8A-4147-A177-3AD203B41FA5}">
-                      <a16:colId xmlns="" xmlns:a16="http://schemas.microsoft.com/office/drawing/2014/main" val="3852134344"/>
+                      <a16:colId xmlns:a16="http://schemas.microsoft.com/office/drawing/2014/main" xmlns="" val="3852134344"/>
                     </a:ext>
                   </a:extLst>
                 </a:gridCol>
                 <a:gridCol w="496056">
                   <a:extLst>
                     <a:ext uri="{9D8B030D-6E8A-4147-A177-3AD203B41FA5}">
-                      <a16:colId xmlns="" xmlns:a16="http://schemas.microsoft.com/office/drawing/2014/main" val="3891390626"/>
+                      <a16:colId xmlns:a16="http://schemas.microsoft.com/office/drawing/2014/main" xmlns="" val="3891390626"/>
                     </a:ext>
                   </a:extLst>
                 </a:gridCol>
                 <a:gridCol w="496056">
                   <a:extLst>
                     <a:ext uri="{9D8B030D-6E8A-4147-A177-3AD203B41FA5}">
-                      <a16:colId xmlns="" xmlns:a16="http://schemas.microsoft.com/office/drawing/2014/main" val="3538745628"/>
+                      <a16:colId xmlns:a16="http://schemas.microsoft.com/office/drawing/2014/main" xmlns="" val="3538745628"/>
                     </a:ext>
                   </a:extLst>
                 </a:gridCol>
                 <a:gridCol w="496056">
                   <a:extLst>
                     <a:ext uri="{9D8B030D-6E8A-4147-A177-3AD203B41FA5}">
-                      <a16:colId xmlns="" xmlns:a16="http://schemas.microsoft.com/office/drawing/2014/main" val="2896087975"/>
+                      <a16:colId xmlns:a16="http://schemas.microsoft.com/office/drawing/2014/main" xmlns="" val="2896087975"/>
                     </a:ext>
                   </a:extLst>
                 </a:gridCol>
                 <a:gridCol w="496056">
                   <a:extLst>
                     <a:ext uri="{9D8B030D-6E8A-4147-A177-3AD203B41FA5}">
-                      <a16:colId xmlns="" xmlns:a16="http://schemas.microsoft.com/office/drawing/2014/main" val="1472760441"/>
+                      <a16:colId xmlns:a16="http://schemas.microsoft.com/office/drawing/2014/main" xmlns="" val="1472760441"/>
                     </a:ext>
                   </a:extLst>
                 </a:gridCol>
                 <a:gridCol w="496056">
                   <a:extLst>
                     <a:ext uri="{9D8B030D-6E8A-4147-A177-3AD203B41FA5}">
-                      <a16:colId xmlns="" xmlns:a16="http://schemas.microsoft.com/office/drawing/2014/main" val="1372163404"/>
+                      <a16:colId xmlns:a16="http://schemas.microsoft.com/office/drawing/2014/main" xmlns="" val="1372163404"/>
                     </a:ext>
                   </a:extLst>
                 </a:gridCol>
                 <a:gridCol w="496056">
                   <a:extLst>
                     <a:ext uri="{9D8B030D-6E8A-4147-A177-3AD203B41FA5}">
-                      <a16:colId xmlns="" xmlns:a16="http://schemas.microsoft.com/office/drawing/2014/main" val="1111038328"/>
+                      <a16:colId xmlns:a16="http://schemas.microsoft.com/office/drawing/2014/main" xmlns="" val="1111038328"/>
                     </a:ext>
                   </a:extLst>
                 </a:gridCol>
@@ -11976,7 +12001,7 @@
                 </a:tc>
                 <a:extLst>
                   <a:ext uri="{0D108BD9-81ED-4DB2-BD59-A6C34878D82A}">
-                    <a16:rowId xmlns="" xmlns:a16="http://schemas.microsoft.com/office/drawing/2014/main" val="869857019"/>
+                    <a16:rowId xmlns:a16="http://schemas.microsoft.com/office/drawing/2014/main" xmlns="" val="869857019"/>
                   </a:ext>
                 </a:extLst>
               </a:tr>
@@ -12109,7 +12134,7 @@
                 </a:tc>
                 <a:extLst>
                   <a:ext uri="{0D108BD9-81ED-4DB2-BD59-A6C34878D82A}">
-                    <a16:rowId xmlns="" xmlns:a16="http://schemas.microsoft.com/office/drawing/2014/main" val="3318875305"/>
+                    <a16:rowId xmlns:a16="http://schemas.microsoft.com/office/drawing/2014/main" xmlns="" val="3318875305"/>
                   </a:ext>
                 </a:extLst>
               </a:tr>
@@ -12242,7 +12267,7 @@
                 </a:tc>
                 <a:extLst>
                   <a:ext uri="{0D108BD9-81ED-4DB2-BD59-A6C34878D82A}">
-                    <a16:rowId xmlns="" xmlns:a16="http://schemas.microsoft.com/office/drawing/2014/main" val="786886679"/>
+                    <a16:rowId xmlns:a16="http://schemas.microsoft.com/office/drawing/2014/main" xmlns="" val="786886679"/>
                   </a:ext>
                 </a:extLst>
               </a:tr>
@@ -12375,7 +12400,7 @@
                 </a:tc>
                 <a:extLst>
                   <a:ext uri="{0D108BD9-81ED-4DB2-BD59-A6C34878D82A}">
-                    <a16:rowId xmlns="" xmlns:a16="http://schemas.microsoft.com/office/drawing/2014/main" val="2393004046"/>
+                    <a16:rowId xmlns:a16="http://schemas.microsoft.com/office/drawing/2014/main" xmlns="" val="2393004046"/>
                   </a:ext>
                 </a:extLst>
               </a:tr>
@@ -12505,7 +12530,7 @@
                 </a:tc>
                 <a:extLst>
                   <a:ext uri="{0D108BD9-81ED-4DB2-BD59-A6C34878D82A}">
-                    <a16:rowId xmlns="" xmlns:a16="http://schemas.microsoft.com/office/drawing/2014/main" val="1701180944"/>
+                    <a16:rowId xmlns:a16="http://schemas.microsoft.com/office/drawing/2014/main" xmlns="" val="1701180944"/>
                   </a:ext>
                 </a:extLst>
               </a:tr>
@@ -12635,7 +12660,7 @@
                 </a:tc>
                 <a:extLst>
                   <a:ext uri="{0D108BD9-81ED-4DB2-BD59-A6C34878D82A}">
-                    <a16:rowId xmlns="" xmlns:a16="http://schemas.microsoft.com/office/drawing/2014/main" val="115185348"/>
+                    <a16:rowId xmlns:a16="http://schemas.microsoft.com/office/drawing/2014/main" xmlns="" val="115185348"/>
                   </a:ext>
                 </a:extLst>
               </a:tr>
@@ -13060,10 +13085,10 @@
       </p:grpSpPr>
       <p:sp>
         <p:nvSpPr>
-          <p:cNvPr id="8" name="Title 1">
+          <p:cNvPr id="7" name="Slide Number Placeholder 6">
             <a:extLst>
               <a:ext uri="{FF2B5EF4-FFF2-40B4-BE49-F238E27FC236}">
-                <a16:creationId xmlns:a16="http://schemas.microsoft.com/office/drawing/2014/main" xmlns="" id="{992F630B-24C8-4726-85FB-CF06F2B12F86}"/>
+                <a16:creationId xmlns="" xmlns:a16="http://schemas.microsoft.com/office/drawing/2014/main" id="{27B55DC7-B95B-4807-B808-1E7A81E0F45A}"/>
               </a:ext>
             </a:extLst>
           </p:cNvPr>
@@ -13071,264 +13096,340 @@
             <a:spLocks noGrp="1"/>
           </p:cNvSpPr>
           <p:nvPr>
-            <p:ph type="title"/>
+            <p:ph type="sldNum" sz="quarter" idx="10"/>
           </p:nvPr>
         </p:nvSpPr>
         <p:spPr/>
         <p:txBody>
-          <a:bodyPr anchor="t"/>
+          <a:bodyPr/>
+          <a:lstStyle/>
+          <a:p>
+            <a:fld id="{FB267019-40B7-405C-98B7-75F3216AFF79}" type="slidenum">
+              <a:rPr lang="en-US" smtClean="0"/>
+              <a:pPr/>
+              <a:t>28</a:t>
+            </a:fld>
+            <a:endParaRPr lang="en-US" dirty="0"/>
+          </a:p>
+        </p:txBody>
+      </p:sp>
+      <p:sp>
+        <p:nvSpPr>
+          <p:cNvPr id="19" name="Text Placeholder 7">
+            <a:extLst>
+              <a:ext uri="{FF2B5EF4-FFF2-40B4-BE49-F238E27FC236}">
+                <a16:creationId xmlns="" xmlns:a16="http://schemas.microsoft.com/office/drawing/2014/main" id="{2785A2B3-FCF4-4D59-9841-12917D91B27A}"/>
+              </a:ext>
+            </a:extLst>
+          </p:cNvPr>
+          <p:cNvSpPr txBox="1">
+            <a:spLocks/>
+          </p:cNvSpPr>
+          <p:nvPr/>
+        </p:nvSpPr>
+        <p:spPr>
+          <a:xfrm>
+            <a:off x="725683" y="871606"/>
+            <a:ext cx="7893050" cy="5114787"/>
+          </a:xfrm>
+          <a:prstGeom prst="rect">
+            <a:avLst/>
+          </a:prstGeom>
+        </p:spPr>
+        <p:txBody>
+          <a:bodyPr/>
           <a:lstStyle>
-            <a:lvl1pPr algn="ctr">
-              <a:defRPr sz="1800"/>
+            <a:lvl1pPr marL="0" indent="0" algn="ctr" defTabSz="685800" rtl="0" eaLnBrk="0" fontAlgn="base" hangingPunct="0">
+              <a:lnSpc>
+                <a:spcPct val="90000"/>
+              </a:lnSpc>
+              <a:spcBef>
+                <a:spcPts val="750"/>
+              </a:spcBef>
+              <a:spcAft>
+                <a:spcPct val="0"/>
+              </a:spcAft>
+              <a:buFont typeface="Arial" charset="0"/>
+              <a:buNone/>
+              <a:defRPr sz="1800" kern="1200">
+                <a:solidFill>
+                  <a:schemeClr val="tx1"/>
+                </a:solidFill>
+                <a:latin typeface="+mn-lt"/>
+                <a:ea typeface="+mn-ea"/>
+                <a:cs typeface="+mn-cs"/>
+              </a:defRPr>
             </a:lvl1pPr>
+            <a:lvl2pPr marL="514350" indent="-171450" algn="l" defTabSz="685800" rtl="0" eaLnBrk="0" fontAlgn="base" hangingPunct="0">
+              <a:lnSpc>
+                <a:spcPct val="90000"/>
+              </a:lnSpc>
+              <a:spcBef>
+                <a:spcPts val="375"/>
+              </a:spcBef>
+              <a:spcAft>
+                <a:spcPct val="0"/>
+              </a:spcAft>
+              <a:buFont typeface="Arial" charset="0"/>
+              <a:buChar char="•"/>
+              <a:defRPr sz="2400" kern="1200">
+                <a:solidFill>
+                  <a:schemeClr val="tx1"/>
+                </a:solidFill>
+                <a:latin typeface="+mn-lt"/>
+                <a:ea typeface="+mn-ea"/>
+                <a:cs typeface="+mn-cs"/>
+              </a:defRPr>
+            </a:lvl2pPr>
+            <a:lvl3pPr marL="857250" indent="-171450" algn="l" defTabSz="685800" rtl="0" eaLnBrk="0" fontAlgn="base" hangingPunct="0">
+              <a:lnSpc>
+                <a:spcPct val="90000"/>
+              </a:lnSpc>
+              <a:spcBef>
+                <a:spcPts val="375"/>
+              </a:spcBef>
+              <a:spcAft>
+                <a:spcPct val="0"/>
+              </a:spcAft>
+              <a:buFont typeface="Arial" charset="0"/>
+              <a:buChar char="•"/>
+              <a:defRPr sz="1800" kern="1200">
+                <a:solidFill>
+                  <a:schemeClr val="tx1"/>
+                </a:solidFill>
+                <a:latin typeface="+mn-lt"/>
+                <a:ea typeface="+mn-ea"/>
+                <a:cs typeface="+mn-cs"/>
+              </a:defRPr>
+            </a:lvl3pPr>
+            <a:lvl4pPr marL="1200150" indent="-171450" algn="l" defTabSz="685800" rtl="0" eaLnBrk="0" fontAlgn="base" hangingPunct="0">
+              <a:lnSpc>
+                <a:spcPct val="90000"/>
+              </a:lnSpc>
+              <a:spcBef>
+                <a:spcPts val="375"/>
+              </a:spcBef>
+              <a:spcAft>
+                <a:spcPct val="0"/>
+              </a:spcAft>
+              <a:buFont typeface="Arial" charset="0"/>
+              <a:buChar char="•"/>
+              <a:defRPr sz="1600" kern="1200">
+                <a:solidFill>
+                  <a:schemeClr val="tx1"/>
+                </a:solidFill>
+                <a:latin typeface="+mn-lt"/>
+                <a:ea typeface="+mn-ea"/>
+                <a:cs typeface="+mn-cs"/>
+              </a:defRPr>
+            </a:lvl4pPr>
+            <a:lvl5pPr marL="1543050" indent="-171450" algn="l" defTabSz="685800" rtl="0" eaLnBrk="0" fontAlgn="base" hangingPunct="0">
+              <a:lnSpc>
+                <a:spcPct val="90000"/>
+              </a:lnSpc>
+              <a:spcBef>
+                <a:spcPts val="375"/>
+              </a:spcBef>
+              <a:spcAft>
+                <a:spcPct val="0"/>
+              </a:spcAft>
+              <a:buFont typeface="Arial" charset="0"/>
+              <a:buChar char="•"/>
+              <a:defRPr sz="1600" kern="1200">
+                <a:solidFill>
+                  <a:schemeClr val="tx1"/>
+                </a:solidFill>
+                <a:latin typeface="+mn-lt"/>
+                <a:ea typeface="+mn-ea"/>
+                <a:cs typeface="+mn-cs"/>
+              </a:defRPr>
+            </a:lvl5pPr>
+            <a:lvl6pPr marL="1885950" indent="-171450" algn="l" defTabSz="685800" rtl="0" eaLnBrk="1" latinLnBrk="0" hangingPunct="1">
+              <a:lnSpc>
+                <a:spcPct val="90000"/>
+              </a:lnSpc>
+              <a:spcBef>
+                <a:spcPts val="375"/>
+              </a:spcBef>
+              <a:buFont typeface="Arial" panose="020B0604020202020204" pitchFamily="34" charset="0"/>
+              <a:buChar char="•"/>
+              <a:defRPr sz="1350" kern="1200">
+                <a:solidFill>
+                  <a:schemeClr val="tx1"/>
+                </a:solidFill>
+                <a:latin typeface="+mn-lt"/>
+                <a:ea typeface="+mn-ea"/>
+                <a:cs typeface="+mn-cs"/>
+              </a:defRPr>
+            </a:lvl6pPr>
+            <a:lvl7pPr marL="2228850" indent="-171450" algn="l" defTabSz="685800" rtl="0" eaLnBrk="1" latinLnBrk="0" hangingPunct="1">
+              <a:lnSpc>
+                <a:spcPct val="90000"/>
+              </a:lnSpc>
+              <a:spcBef>
+                <a:spcPts val="375"/>
+              </a:spcBef>
+              <a:buFont typeface="Arial" panose="020B0604020202020204" pitchFamily="34" charset="0"/>
+              <a:buChar char="•"/>
+              <a:defRPr sz="1350" kern="1200">
+                <a:solidFill>
+                  <a:schemeClr val="tx1"/>
+                </a:solidFill>
+                <a:latin typeface="+mn-lt"/>
+                <a:ea typeface="+mn-ea"/>
+                <a:cs typeface="+mn-cs"/>
+              </a:defRPr>
+            </a:lvl7pPr>
+            <a:lvl8pPr marL="2571750" indent="-171450" algn="l" defTabSz="685800" rtl="0" eaLnBrk="1" latinLnBrk="0" hangingPunct="1">
+              <a:lnSpc>
+                <a:spcPct val="90000"/>
+              </a:lnSpc>
+              <a:spcBef>
+                <a:spcPts val="375"/>
+              </a:spcBef>
+              <a:buFont typeface="Arial" panose="020B0604020202020204" pitchFamily="34" charset="0"/>
+              <a:buChar char="•"/>
+              <a:defRPr sz="1350" kern="1200">
+                <a:solidFill>
+                  <a:schemeClr val="tx1"/>
+                </a:solidFill>
+                <a:latin typeface="+mn-lt"/>
+                <a:ea typeface="+mn-ea"/>
+                <a:cs typeface="+mn-cs"/>
+              </a:defRPr>
+            </a:lvl8pPr>
+            <a:lvl9pPr marL="2914650" indent="-171450" algn="l" defTabSz="685800" rtl="0" eaLnBrk="1" latinLnBrk="0" hangingPunct="1">
+              <a:lnSpc>
+                <a:spcPct val="90000"/>
+              </a:lnSpc>
+              <a:spcBef>
+                <a:spcPts val="375"/>
+              </a:spcBef>
+              <a:buFont typeface="Arial" panose="020B0604020202020204" pitchFamily="34" charset="0"/>
+              <a:buChar char="•"/>
+              <a:defRPr sz="1350" kern="1200">
+                <a:solidFill>
+                  <a:schemeClr val="tx1"/>
+                </a:solidFill>
+                <a:latin typeface="+mn-lt"/>
+                <a:ea typeface="+mn-ea"/>
+                <a:cs typeface="+mn-cs"/>
+              </a:defRPr>
+            </a:lvl9pPr>
           </a:lstStyle>
           <a:p>
-            <a:r>
-              <a:rPr lang="en-US" dirty="0">
-                <a:solidFill>
-                  <a:srgbClr val="FF00FF"/>
-                </a:solidFill>
-              </a:rPr>
-              <a:t/>
-            </a:r>
-            <a:br>
-              <a:rPr lang="en-US" dirty="0">
-                <a:solidFill>
-                  <a:srgbClr val="FF00FF"/>
-                </a:solidFill>
-              </a:rPr>
-            </a:br>
             <a:r>
               <a:rPr lang="en-US" dirty="0"/>
               <a:t>Please attribute Dr. Jim Alves-Foss and Dr. Jia Song, University of Idaho</a:t>
             </a:r>
-            <a:r>
-              <a:rPr lang="en-US" dirty="0">
-                <a:solidFill>
-                  <a:srgbClr val="FF00FF"/>
-                </a:solidFill>
-              </a:rPr>
+            <a:br>
+              <a:rPr lang="en-US" dirty="0"/>
+            </a:br>
+            <a:r>
+              <a:rPr lang="en-US" dirty="0"/>
               <a:t/>
             </a:r>
             <a:br>
-              <a:rPr lang="en-US" dirty="0">
-                <a:solidFill>
-                  <a:srgbClr val="FF00FF"/>
-                </a:solidFill>
-              </a:rPr>
+              <a:rPr lang="en-US" dirty="0"/>
             </a:br>
             <a:r>
-              <a:rPr lang="en-US" dirty="0">
-                <a:solidFill>
-                  <a:srgbClr val="FF00FF"/>
-                </a:solidFill>
-              </a:rPr>
+              <a:rPr lang="en-US" dirty="0"/>
               <a:t/>
             </a:r>
             <a:br>
-              <a:rPr lang="en-US" dirty="0">
-                <a:solidFill>
-                  <a:srgbClr val="FF00FF"/>
-                </a:solidFill>
-              </a:rPr>
+              <a:rPr lang="en-US" dirty="0"/>
             </a:br>
             <a:r>
-              <a:rPr lang="en-US" dirty="0">
-                <a:solidFill>
-                  <a:srgbClr val="FF00FF"/>
-                </a:solidFill>
-              </a:rPr>
+              <a:rPr lang="en-US" dirty="0"/>
               <a:t/>
             </a:r>
             <a:br>
-              <a:rPr lang="en-US" dirty="0">
-                <a:solidFill>
-                  <a:srgbClr val="FF00FF"/>
-                </a:solidFill>
-              </a:rPr>
+              <a:rPr lang="en-US" dirty="0"/>
             </a:br>
             <a:r>
-              <a:rPr lang="en-US" dirty="0">
-                <a:solidFill>
-                  <a:srgbClr val="FF00FF"/>
-                </a:solidFill>
-              </a:rPr>
+              <a:rPr lang="en-US" dirty="0"/>
               <a:t/>
             </a:r>
             <a:br>
-              <a:rPr lang="en-US" dirty="0">
-                <a:solidFill>
-                  <a:srgbClr val="FF00FF"/>
-                </a:solidFill>
-              </a:rPr>
+              <a:rPr lang="en-US" dirty="0"/>
             </a:br>
             <a:r>
-              <a:rPr lang="en-US" dirty="0">
-                <a:solidFill>
-                  <a:srgbClr val="FF00FF"/>
-                </a:solidFill>
-              </a:rPr>
+              <a:rPr lang="en-US" dirty="0"/>
               <a:t/>
             </a:r>
             <a:br>
-              <a:rPr lang="en-US" dirty="0">
-                <a:solidFill>
-                  <a:srgbClr val="FF00FF"/>
-                </a:solidFill>
-              </a:rPr>
+              <a:rPr lang="en-US" dirty="0"/>
             </a:br>
             <a:r>
-              <a:rPr lang="en-US" dirty="0">
-                <a:solidFill>
-                  <a:srgbClr val="FF00FF"/>
-                </a:solidFill>
-              </a:rPr>
+              <a:rPr lang="en-US" dirty="0"/>
               <a:t/>
             </a:r>
             <a:br>
-              <a:rPr lang="en-US" dirty="0">
-                <a:solidFill>
-                  <a:srgbClr val="FF00FF"/>
-                </a:solidFill>
-              </a:rPr>
+              <a:rPr lang="en-US" dirty="0"/>
             </a:br>
             <a:r>
-              <a:rPr lang="en-US" dirty="0">
-                <a:solidFill>
-                  <a:srgbClr val="FF00FF"/>
-                </a:solidFill>
-              </a:rPr>
+              <a:rPr lang="en-US" dirty="0"/>
               <a:t/>
             </a:r>
             <a:br>
-              <a:rPr lang="en-US" dirty="0">
-                <a:solidFill>
-                  <a:srgbClr val="FF00FF"/>
-                </a:solidFill>
-              </a:rPr>
+              <a:rPr lang="en-US" dirty="0"/>
             </a:br>
-            <a:r>
-              <a:rPr lang="en-US" dirty="0">
-                <a:solidFill>
-                  <a:srgbClr val="FF00FF"/>
-                </a:solidFill>
-              </a:rPr>
+            <a:endParaRPr lang="en-US" dirty="0"/>
+          </a:p>
+          <a:p>
+            <a:r>
+              <a:rPr lang="en-US" sz="1600" dirty="0"/>
+              <a:t>Except where otherwise noted, this work is licensed under https://creativecommons.org/licenses/by-nc-sa/4.0/</a:t>
+            </a:r>
+            <a:br>
+              <a:rPr lang="en-US" sz="1600" dirty="0"/>
+            </a:br>
+            <a:r>
+              <a:rPr lang="en-US" sz="1600" dirty="0"/>
               <a:t/>
             </a:r>
             <a:br>
-              <a:rPr lang="en-US" dirty="0">
-                <a:solidFill>
-                  <a:srgbClr val="FF00FF"/>
-                </a:solidFill>
-              </a:rPr>
+              <a:rPr lang="en-US" sz="1600" dirty="0"/>
             </a:br>
             <a:r>
-              <a:rPr lang="en-US" dirty="0">
-                <a:solidFill>
-                  <a:srgbClr val="FF00FF"/>
-                </a:solidFill>
-              </a:rPr>
+              <a:rPr lang="en-US" sz="1600" dirty="0"/>
+              <a:t>Not withstanding the non-commercial license terms, non-profit educational institutions are granted a non-exclusive license to adapt and use this material, with attribution.</a:t>
+            </a:r>
+            <a:br>
+              <a:rPr lang="en-US" sz="1600" dirty="0"/>
+            </a:br>
+            <a:r>
+              <a:rPr lang="en-US" sz="1600" dirty="0"/>
               <a:t/>
             </a:r>
             <a:br>
-              <a:rPr lang="en-US" dirty="0">
-                <a:solidFill>
-                  <a:srgbClr val="FF00FF"/>
-                </a:solidFill>
-              </a:rPr>
+              <a:rPr lang="en-US" sz="1600" dirty="0"/>
             </a:br>
             <a:r>
-              <a:rPr lang="en-US" dirty="0"/>
-              <a:t>Except where otherwise noted, this work is licensed under https://creativecommons.org/licenses/by-nc-sa/4.0/</a:t>
-            </a:r>
-            <a:r>
-              <a:rPr lang="en-US" dirty="0">
-                <a:solidFill>
-                  <a:srgbClr val="FF00FF"/>
-                </a:solidFill>
-              </a:rPr>
-              <a:t/>
-            </a:r>
-            <a:br>
-              <a:rPr lang="en-US" dirty="0">
-                <a:solidFill>
-                  <a:srgbClr val="FF00FF"/>
-                </a:solidFill>
-              </a:rPr>
-            </a:br>
-            <a:r>
-              <a:rPr lang="en-US" dirty="0">
-                <a:solidFill>
-                  <a:srgbClr val="FF00FF"/>
-                </a:solidFill>
-              </a:rPr>
-              <a:t/>
-            </a:r>
-            <a:br>
-              <a:rPr lang="en-US" dirty="0">
-                <a:solidFill>
-                  <a:srgbClr val="FF00FF"/>
-                </a:solidFill>
-              </a:rPr>
-            </a:br>
-            <a:r>
-              <a:rPr lang="en-US" dirty="0"/>
-              <a:t>Not withstanding the non-commercial license terms, non-profit educational institutions are granted a non-exclusive license to adapt and use this material, with attribution.</a:t>
-            </a:r>
-            <a:r>
-              <a:rPr lang="en-US" dirty="0">
-                <a:solidFill>
-                  <a:srgbClr val="FF00FF"/>
-                </a:solidFill>
-              </a:rPr>
-              <a:t/>
-            </a:r>
-            <a:br>
-              <a:rPr lang="en-US" dirty="0">
-                <a:solidFill>
-                  <a:srgbClr val="FF00FF"/>
-                </a:solidFill>
-              </a:rPr>
-            </a:br>
-            <a:r>
-              <a:rPr lang="en-US" dirty="0">
-                <a:solidFill>
-                  <a:srgbClr val="FF00FF"/>
-                </a:solidFill>
-              </a:rPr>
-              <a:t/>
-            </a:r>
-            <a:br>
-              <a:rPr lang="en-US" dirty="0">
-                <a:solidFill>
-                  <a:srgbClr val="FF00FF"/>
-                </a:solidFill>
-              </a:rPr>
-            </a:br>
-            <a:r>
-              <a:rPr lang="en-US" dirty="0"/>
-              <a:t>Creative Commons and the double C in a circle are registered trademarks of Creative commons in the United States and other countries. Third party marks and brands are the property of their respective holders.</a:t>
-            </a:r>
-            <a:r>
-              <a:rPr lang="en-US" dirty="0">
-                <a:solidFill>
-                  <a:srgbClr val="FF00FF"/>
-                </a:solidFill>
-              </a:rPr>
-              <a:t/>
-            </a:r>
-            <a:br>
-              <a:rPr lang="en-US" dirty="0">
-                <a:solidFill>
-                  <a:srgbClr val="FF00FF"/>
-                </a:solidFill>
-              </a:rPr>
-            </a:br>
-            <a:endParaRPr lang="en-US" dirty="0">
-              <a:solidFill>
-                <a:srgbClr val="FF00FF"/>
-              </a:solidFill>
-            </a:endParaRPr>
+              <a:rPr lang="en-US" sz="1600" dirty="0"/>
+              <a:t>Creative Commons and the double C in a circle are registered trademarks of Creative commons in the United States and other countries. Third party marks and brands are the property of their respective holders</a:t>
+            </a:r>
+            <a:r>
+              <a:rPr lang="en-US" sz="1600" dirty="0" smtClean="0"/>
+              <a:t>.</a:t>
+            </a:r>
+          </a:p>
+          <a:p>
+            <a:r>
+              <a:rPr lang="en-US" sz="1600" dirty="0"/>
+              <a:t>Project sponsored by the National Security Agency under grant Number </a:t>
+            </a:r>
+            <a:r>
+              <a:rPr lang="en-US" sz="1600" dirty="0" smtClean="0"/>
+              <a:t>H98230-17-1-0199. The </a:t>
+            </a:r>
+            <a:r>
+              <a:rPr lang="en-US" sz="1600" dirty="0"/>
+              <a:t>United States Government is authorized to reproduce and distribute reprints notwithstanding any copyright notation herein.</a:t>
+            </a:r>
+          </a:p>
+          <a:p>
+            <a:endParaRPr lang="en-US" sz="1600" dirty="0"/>
           </a:p>
         </p:txBody>
       </p:sp>
@@ -13338,7 +13439,7 @@
     </p:custDataLst>
     <p:extLst>
       <p:ext uri="{BB962C8B-B14F-4D97-AF65-F5344CB8AC3E}">
-        <p14:creationId xmlns:p14="http://schemas.microsoft.com/office/powerpoint/2010/main" val="1892705052"/>
+        <p14:creationId xmlns:p14="http://schemas.microsoft.com/office/powerpoint/2010/main" val="2046412586"/>
       </p:ext>
     </p:extLst>
   </p:cSld>
@@ -13708,7 +13809,7 @@
           <p:cNvPr id="2" name="Title 1">
             <a:extLst>
               <a:ext uri="{FF2B5EF4-FFF2-40B4-BE49-F238E27FC236}">
-                <a16:creationId xmlns="" xmlns:a16="http://schemas.microsoft.com/office/drawing/2014/main" id="{AA779898-B3A7-4AF9-867A-4C6EA26EE9E2}"/>
+                <a16:creationId xmlns:a16="http://schemas.microsoft.com/office/drawing/2014/main" xmlns="" id="{AA779898-B3A7-4AF9-867A-4C6EA26EE9E2}"/>
               </a:ext>
             </a:extLst>
           </p:cNvPr>
@@ -13737,7 +13838,7 @@
           <p:cNvPr id="3" name="Content Placeholder 2">
             <a:extLst>
               <a:ext uri="{FF2B5EF4-FFF2-40B4-BE49-F238E27FC236}">
-                <a16:creationId xmlns="" xmlns:a16="http://schemas.microsoft.com/office/drawing/2014/main" id="{D7B1E5C8-855D-4C2B-82E6-9B7A893763AF}"/>
+                <a16:creationId xmlns:a16="http://schemas.microsoft.com/office/drawing/2014/main" xmlns="" id="{D7B1E5C8-855D-4C2B-82E6-9B7A893763AF}"/>
               </a:ext>
             </a:extLst>
           </p:cNvPr>
@@ -13852,7 +13953,7 @@
           <p:cNvPr id="2" name="Title 1">
             <a:extLst>
               <a:ext uri="{FF2B5EF4-FFF2-40B4-BE49-F238E27FC236}">
-                <a16:creationId xmlns="" xmlns:a16="http://schemas.microsoft.com/office/drawing/2014/main" id="{29579B6E-204D-40DE-80EA-3E6898C3350C}"/>
+                <a16:creationId xmlns:a16="http://schemas.microsoft.com/office/drawing/2014/main" xmlns="" id="{29579B6E-204D-40DE-80EA-3E6898C3350C}"/>
               </a:ext>
             </a:extLst>
           </p:cNvPr>
@@ -13883,7 +13984,7 @@
               <p:cNvPr id="3" name="Content Placeholder 2">
                 <a:extLst>
                   <a:ext uri="{FF2B5EF4-FFF2-40B4-BE49-F238E27FC236}">
-                    <a16:creationId xmlns="" xmlns:a16="http://schemas.microsoft.com/office/drawing/2014/main" id="{D82AD40F-43E0-4227-938D-594C418006A7}"/>
+                    <a16:creationId xmlns:a16="http://schemas.microsoft.com/office/drawing/2014/main" xmlns="" id="{D82AD40F-43E0-4227-938D-594C418006A7}"/>
                   </a:ext>
                 </a:extLst>
               </p:cNvPr>
@@ -14195,7 +14296,7 @@
           <p:cNvPr id="2" name="Title 1">
             <a:extLst>
               <a:ext uri="{FF2B5EF4-FFF2-40B4-BE49-F238E27FC236}">
-                <a16:creationId xmlns="" xmlns:a16="http://schemas.microsoft.com/office/drawing/2014/main" id="{8AE95FC3-E3C8-491F-9DCD-5ECF7726F1B7}"/>
+                <a16:creationId xmlns:a16="http://schemas.microsoft.com/office/drawing/2014/main" xmlns="" id="{8AE95FC3-E3C8-491F-9DCD-5ECF7726F1B7}"/>
               </a:ext>
             </a:extLst>
           </p:cNvPr>
@@ -14226,7 +14327,7 @@
               <p:cNvPr id="3" name="Content Placeholder 2">
                 <a:extLst>
                   <a:ext uri="{FF2B5EF4-FFF2-40B4-BE49-F238E27FC236}">
-                    <a16:creationId xmlns="" xmlns:a16="http://schemas.microsoft.com/office/drawing/2014/main" id="{8D15F336-997D-4ADE-AFB3-692895936B81}"/>
+                    <a16:creationId xmlns:a16="http://schemas.microsoft.com/office/drawing/2014/main" xmlns="" id="{8D15F336-997D-4ADE-AFB3-692895936B81}"/>
                   </a:ext>
                 </a:extLst>
               </p:cNvPr>
@@ -14356,7 +14457,7 @@
           <p:cNvPr id="4" name="Picture 3" title="Encrypted Key ">
             <a:extLst>
               <a:ext uri="{FF2B5EF4-FFF2-40B4-BE49-F238E27FC236}">
-                <a16:creationId xmlns="" xmlns:a16="http://schemas.microsoft.com/office/drawing/2014/main" id="{E88DA2B6-9CC6-4EC9-9A07-DA3651C15AFB}"/>
+                <a16:creationId xmlns:a16="http://schemas.microsoft.com/office/drawing/2014/main" xmlns="" id="{E88DA2B6-9CC6-4EC9-9A07-DA3651C15AFB}"/>
               </a:ext>
             </a:extLst>
           </p:cNvPr>
@@ -14416,7 +14517,7 @@
           <p:cNvPr id="2" name="Title 1">
             <a:extLst>
               <a:ext uri="{FF2B5EF4-FFF2-40B4-BE49-F238E27FC236}">
-                <a16:creationId xmlns="" xmlns:a16="http://schemas.microsoft.com/office/drawing/2014/main" id="{4E01E0C2-95D4-4BD1-850F-DB6356826AA7}"/>
+                <a16:creationId xmlns:a16="http://schemas.microsoft.com/office/drawing/2014/main" xmlns="" id="{4E01E0C2-95D4-4BD1-850F-DB6356826AA7}"/>
               </a:ext>
             </a:extLst>
           </p:cNvPr>
@@ -14445,7 +14546,7 @@
           <p:cNvPr id="3" name="Content Placeholder 2">
             <a:extLst>
               <a:ext uri="{FF2B5EF4-FFF2-40B4-BE49-F238E27FC236}">
-                <a16:creationId xmlns="" xmlns:a16="http://schemas.microsoft.com/office/drawing/2014/main" id="{5866A299-9A00-46E2-B923-8F7E0C6AF8EE}"/>
+                <a16:creationId xmlns:a16="http://schemas.microsoft.com/office/drawing/2014/main" xmlns="" id="{5866A299-9A00-46E2-B923-8F7E0C6AF8EE}"/>
               </a:ext>
             </a:extLst>
           </p:cNvPr>
@@ -14576,12 +14677,13 @@
   <p:tag name="AUDIO_ID" val="333"/>
   <p:tag name="ARTICULATE_NAV_LEVEL" val="1"/>
   <p:tag name="ARTICULATE_TOC_EXPANDED" val="True"/>
-  <p:tag name="ARTICULATE_SLIDE_PRESENTER_GUID" val="ee58492c-7408-4409-b5d7-fc69e46ae5b4"/>
-  <p:tag name="ARTICULATE_SLIDE_PAUSE" val="1"/>
+  <p:tag name="ARTICULATE_SLIDE_PRESENTER_GUID" val="b6afec6b-4ad9-49aa-931c-79381ce9333b"/>
+  <p:tag name="ARTICULATE_SLIDE_PAUSE" val="0"/>
   <p:tag name="ARTICULATE_HIDE_SLIDE" val="0"/>
   <p:tag name="ARTICULATE_PLAYER_CONTROL_PREVIOUS" val="True"/>
   <p:tag name="ARTICULATE_PLAYER_CONTROL_NEXT" val="True"/>
   <p:tag name="ARTICULATE_USED_LAYOUT" val="9"/>
+  <p:tag name="ARTICULATE_SLIDE_THUMBNAIL_REFRESH" val="1"/>
 </p:tagLst>
 </file>
 
